--- a/doc/talks/2024-simep/img/workflow-radiocaron-dataset.pptx
+++ b/doc/talks/2024-simep/img/workflow-radiocaron-dataset.pptx
@@ -6,7 +6,8 @@
   </p:sldMasterIdLst>
   <p:sldIdLst>
     <p:sldId id="256" r:id="rId2"/>
-    <p:sldId id="257" r:id="rId3"/>
+    <p:sldId id="258" r:id="rId3"/>
+    <p:sldId id="257" r:id="rId4"/>
   </p:sldIdLst>
   <p:sldSz cx="12192000" cy="6858000"/>
   <p:notesSz cx="6858000" cy="9144000"/>
@@ -262,7 +263,7 @@
           <a:p>
             <a:fld id="{BA9A846D-2588-49B8-9C92-41FE75F0A136}" type="datetimeFigureOut">
               <a:rPr lang="fr-FR" smtClean="0"/>
-              <a:t>14/10/2024</a:t>
+              <a:t>11/12/2024</a:t>
             </a:fld>
             <a:endParaRPr lang="fr-FR"/>
           </a:p>
@@ -462,7 +463,7 @@
           <a:p>
             <a:fld id="{BA9A846D-2588-49B8-9C92-41FE75F0A136}" type="datetimeFigureOut">
               <a:rPr lang="fr-FR" smtClean="0"/>
-              <a:t>14/10/2024</a:t>
+              <a:t>11/12/2024</a:t>
             </a:fld>
             <a:endParaRPr lang="fr-FR"/>
           </a:p>
@@ -672,7 +673,7 @@
           <a:p>
             <a:fld id="{BA9A846D-2588-49B8-9C92-41FE75F0A136}" type="datetimeFigureOut">
               <a:rPr lang="fr-FR" smtClean="0"/>
-              <a:t>14/10/2024</a:t>
+              <a:t>11/12/2024</a:t>
             </a:fld>
             <a:endParaRPr lang="fr-FR"/>
           </a:p>
@@ -872,7 +873,7 @@
           <a:p>
             <a:fld id="{BA9A846D-2588-49B8-9C92-41FE75F0A136}" type="datetimeFigureOut">
               <a:rPr lang="fr-FR" smtClean="0"/>
-              <a:t>14/10/2024</a:t>
+              <a:t>11/12/2024</a:t>
             </a:fld>
             <a:endParaRPr lang="fr-FR"/>
           </a:p>
@@ -1148,7 +1149,7 @@
           <a:p>
             <a:fld id="{BA9A846D-2588-49B8-9C92-41FE75F0A136}" type="datetimeFigureOut">
               <a:rPr lang="fr-FR" smtClean="0"/>
-              <a:t>14/10/2024</a:t>
+              <a:t>11/12/2024</a:t>
             </a:fld>
             <a:endParaRPr lang="fr-FR"/>
           </a:p>
@@ -1416,7 +1417,7 @@
           <a:p>
             <a:fld id="{BA9A846D-2588-49B8-9C92-41FE75F0A136}" type="datetimeFigureOut">
               <a:rPr lang="fr-FR" smtClean="0"/>
-              <a:t>14/10/2024</a:t>
+              <a:t>11/12/2024</a:t>
             </a:fld>
             <a:endParaRPr lang="fr-FR"/>
           </a:p>
@@ -1831,7 +1832,7 @@
           <a:p>
             <a:fld id="{BA9A846D-2588-49B8-9C92-41FE75F0A136}" type="datetimeFigureOut">
               <a:rPr lang="fr-FR" smtClean="0"/>
-              <a:t>14/10/2024</a:t>
+              <a:t>11/12/2024</a:t>
             </a:fld>
             <a:endParaRPr lang="fr-FR"/>
           </a:p>
@@ -1973,7 +1974,7 @@
           <a:p>
             <a:fld id="{BA9A846D-2588-49B8-9C92-41FE75F0A136}" type="datetimeFigureOut">
               <a:rPr lang="fr-FR" smtClean="0"/>
-              <a:t>14/10/2024</a:t>
+              <a:t>11/12/2024</a:t>
             </a:fld>
             <a:endParaRPr lang="fr-FR"/>
           </a:p>
@@ -2086,7 +2087,7 @@
           <a:p>
             <a:fld id="{BA9A846D-2588-49B8-9C92-41FE75F0A136}" type="datetimeFigureOut">
               <a:rPr lang="fr-FR" smtClean="0"/>
-              <a:t>14/10/2024</a:t>
+              <a:t>11/12/2024</a:t>
             </a:fld>
             <a:endParaRPr lang="fr-FR"/>
           </a:p>
@@ -2399,7 +2400,7 @@
           <a:p>
             <a:fld id="{BA9A846D-2588-49B8-9C92-41FE75F0A136}" type="datetimeFigureOut">
               <a:rPr lang="fr-FR" smtClean="0"/>
-              <a:t>14/10/2024</a:t>
+              <a:t>11/12/2024</a:t>
             </a:fld>
             <a:endParaRPr lang="fr-FR"/>
           </a:p>
@@ -2688,7 +2689,7 @@
           <a:p>
             <a:fld id="{BA9A846D-2588-49B8-9C92-41FE75F0A136}" type="datetimeFigureOut">
               <a:rPr lang="fr-FR" smtClean="0"/>
-              <a:t>14/10/2024</a:t>
+              <a:t>11/12/2024</a:t>
             </a:fld>
             <a:endParaRPr lang="fr-FR"/>
           </a:p>
@@ -2931,7 +2932,7 @@
           <a:p>
             <a:fld id="{BA9A846D-2588-49B8-9C92-41FE75F0A136}" type="datetimeFigureOut">
               <a:rPr lang="fr-FR" smtClean="0"/>
-              <a:t>14/10/2024</a:t>
+              <a:t>11/12/2024</a:t>
             </a:fld>
             <a:endParaRPr lang="fr-FR"/>
           </a:p>
@@ -4596,8 +4597,8 @@
         </p:nvSpPr>
         <p:spPr>
           <a:xfrm>
-            <a:off x="1996345" y="599685"/>
-            <a:ext cx="740908" cy="369332"/>
+            <a:off x="1996345" y="412875"/>
+            <a:ext cx="1226618" cy="646331"/>
           </a:xfrm>
           <a:prstGeom prst="rect">
             <a:avLst/>
@@ -4612,7 +4613,13 @@
           <a:p>
             <a:r>
               <a:rPr lang="en-GB" dirty="0"/>
-              <a:t>dates</a:t>
+              <a:t>date</a:t>
+            </a:r>
+          </a:p>
+          <a:p>
+            <a:r>
+              <a:rPr lang="fr-FR" dirty="0" err="1"/>
+              <a:t>databases</a:t>
             </a:r>
             <a:endParaRPr lang="fr-FR" dirty="0"/>
           </a:p>
@@ -4791,6 +4798,268 @@
           </a:p>
         </p:txBody>
       </p:sp>
+      <p:sp>
+        <p:nvSpPr>
+          <p:cNvPr id="7" name="TextBox 6">
+            <a:extLst>
+              <a:ext uri="{FF2B5EF4-FFF2-40B4-BE49-F238E27FC236}">
+                <a16:creationId xmlns:a16="http://schemas.microsoft.com/office/drawing/2014/main" id="{0B80E456-E85E-B7B4-279B-BCF658B6EC45}"/>
+              </a:ext>
+            </a:extLst>
+          </p:cNvPr>
+          <p:cNvSpPr txBox="1"/>
+          <p:nvPr/>
+        </p:nvSpPr>
+        <p:spPr>
+          <a:xfrm>
+            <a:off x="5263756" y="1312560"/>
+            <a:ext cx="1806905" cy="369332"/>
+          </a:xfrm>
+          <a:prstGeom prst="rect">
+            <a:avLst/>
+          </a:prstGeom>
+          <a:noFill/>
+        </p:spPr>
+        <p:txBody>
+          <a:bodyPr wrap="none" rtlCol="0">
+            <a:spAutoFit/>
+          </a:bodyPr>
+          <a:lstStyle/>
+          <a:p>
+            <a:r>
+              <a:rPr lang="en-GB" dirty="0"/>
+              <a:t>3</a:t>
+            </a:r>
+            <a:r>
+              <a:rPr lang="en-GB" baseline="30000" dirty="0"/>
+              <a:t>rd</a:t>
+            </a:r>
+            <a:r>
+              <a:rPr lang="en-GB" dirty="0"/>
+              <a:t> part datasets</a:t>
+            </a:r>
+            <a:endParaRPr lang="fr-FR" dirty="0"/>
+          </a:p>
+        </p:txBody>
+      </p:sp>
+      <p:grpSp>
+        <p:nvGrpSpPr>
+          <p:cNvPr id="35" name="Group 34">
+            <a:extLst>
+              <a:ext uri="{FF2B5EF4-FFF2-40B4-BE49-F238E27FC236}">
+                <a16:creationId xmlns:a16="http://schemas.microsoft.com/office/drawing/2014/main" id="{380B7E6D-B890-8DE1-78D5-AF45BFF32FAB}"/>
+              </a:ext>
+            </a:extLst>
+          </p:cNvPr>
+          <p:cNvGrpSpPr/>
+          <p:nvPr/>
+        </p:nvGrpSpPr>
+        <p:grpSpPr>
+          <a:xfrm>
+            <a:off x="5338916" y="1717276"/>
+            <a:ext cx="1081122" cy="369332"/>
+            <a:chOff x="8062452" y="2162639"/>
+            <a:chExt cx="1081122" cy="369332"/>
+          </a:xfrm>
+        </p:grpSpPr>
+        <p:sp>
+          <p:nvSpPr>
+            <p:cNvPr id="29" name="Rectangle: Folded Corner 28">
+              <a:extLst>
+                <a:ext uri="{FF2B5EF4-FFF2-40B4-BE49-F238E27FC236}">
+                  <a16:creationId xmlns:a16="http://schemas.microsoft.com/office/drawing/2014/main" id="{1B7583A4-DA57-610B-0F0E-B32084E4C9BD}"/>
+                </a:ext>
+              </a:extLst>
+            </p:cNvPr>
+            <p:cNvSpPr/>
+            <p:nvPr/>
+          </p:nvSpPr>
+          <p:spPr>
+            <a:xfrm>
+              <a:off x="8062452" y="2162639"/>
+              <a:ext cx="304798" cy="369332"/>
+            </a:xfrm>
+            <a:prstGeom prst="foldedCorner">
+              <a:avLst/>
+            </a:prstGeom>
+            <a:solidFill>
+              <a:schemeClr val="accent1">
+                <a:lumMod val="40000"/>
+                <a:lumOff val="60000"/>
+              </a:schemeClr>
+            </a:solidFill>
+          </p:spPr>
+          <p:style>
+            <a:lnRef idx="2">
+              <a:schemeClr val="accent1">
+                <a:shade val="15000"/>
+              </a:schemeClr>
+            </a:lnRef>
+            <a:fillRef idx="1">
+              <a:schemeClr val="accent1"/>
+            </a:fillRef>
+            <a:effectRef idx="0">
+              <a:schemeClr val="accent1"/>
+            </a:effectRef>
+            <a:fontRef idx="minor">
+              <a:schemeClr val="lt1"/>
+            </a:fontRef>
+          </p:style>
+          <p:txBody>
+            <a:bodyPr rtlCol="0" anchor="ctr"/>
+            <a:lstStyle/>
+            <a:p>
+              <a:pPr algn="ctr"/>
+              <a:endParaRPr lang="fr-FR"/>
+            </a:p>
+          </p:txBody>
+        </p:sp>
+        <p:sp>
+          <p:nvSpPr>
+            <p:cNvPr id="31" name="Rectangle: Folded Corner 30">
+              <a:extLst>
+                <a:ext uri="{FF2B5EF4-FFF2-40B4-BE49-F238E27FC236}">
+                  <a16:creationId xmlns:a16="http://schemas.microsoft.com/office/drawing/2014/main" id="{E07A2289-6BA4-10EE-ED32-792A5781B156}"/>
+                </a:ext>
+              </a:extLst>
+            </p:cNvPr>
+            <p:cNvSpPr/>
+            <p:nvPr/>
+          </p:nvSpPr>
+          <p:spPr>
+            <a:xfrm>
+              <a:off x="8450614" y="2162639"/>
+              <a:ext cx="304798" cy="369332"/>
+            </a:xfrm>
+            <a:prstGeom prst="foldedCorner">
+              <a:avLst/>
+            </a:prstGeom>
+            <a:solidFill>
+              <a:schemeClr val="accent1">
+                <a:lumMod val="40000"/>
+                <a:lumOff val="60000"/>
+              </a:schemeClr>
+            </a:solidFill>
+          </p:spPr>
+          <p:style>
+            <a:lnRef idx="2">
+              <a:schemeClr val="accent1">
+                <a:shade val="15000"/>
+              </a:schemeClr>
+            </a:lnRef>
+            <a:fillRef idx="1">
+              <a:schemeClr val="accent1"/>
+            </a:fillRef>
+            <a:effectRef idx="0">
+              <a:schemeClr val="accent1"/>
+            </a:effectRef>
+            <a:fontRef idx="minor">
+              <a:schemeClr val="lt1"/>
+            </a:fontRef>
+          </p:style>
+          <p:txBody>
+            <a:bodyPr rtlCol="0" anchor="ctr"/>
+            <a:lstStyle/>
+            <a:p>
+              <a:pPr algn="ctr"/>
+              <a:endParaRPr lang="fr-FR"/>
+            </a:p>
+          </p:txBody>
+        </p:sp>
+        <p:sp>
+          <p:nvSpPr>
+            <p:cNvPr id="33" name="Rectangle: Folded Corner 32">
+              <a:extLst>
+                <a:ext uri="{FF2B5EF4-FFF2-40B4-BE49-F238E27FC236}">
+                  <a16:creationId xmlns:a16="http://schemas.microsoft.com/office/drawing/2014/main" id="{13A73E68-EB6E-AFAF-4922-D76CB02EE02B}"/>
+                </a:ext>
+              </a:extLst>
+            </p:cNvPr>
+            <p:cNvSpPr/>
+            <p:nvPr/>
+          </p:nvSpPr>
+          <p:spPr>
+            <a:xfrm>
+              <a:off x="8838776" y="2162639"/>
+              <a:ext cx="304798" cy="369332"/>
+            </a:xfrm>
+            <a:prstGeom prst="foldedCorner">
+              <a:avLst/>
+            </a:prstGeom>
+            <a:solidFill>
+              <a:schemeClr val="accent1">
+                <a:lumMod val="40000"/>
+                <a:lumOff val="60000"/>
+              </a:schemeClr>
+            </a:solidFill>
+          </p:spPr>
+          <p:style>
+            <a:lnRef idx="2">
+              <a:schemeClr val="accent1">
+                <a:shade val="15000"/>
+              </a:schemeClr>
+            </a:lnRef>
+            <a:fillRef idx="1">
+              <a:schemeClr val="accent1"/>
+            </a:fillRef>
+            <a:effectRef idx="0">
+              <a:schemeClr val="accent1"/>
+            </a:effectRef>
+            <a:fontRef idx="minor">
+              <a:schemeClr val="lt1"/>
+            </a:fontRef>
+          </p:style>
+          <p:txBody>
+            <a:bodyPr rtlCol="0" anchor="ctr"/>
+            <a:lstStyle/>
+            <a:p>
+              <a:pPr algn="ctr"/>
+              <a:endParaRPr lang="fr-FR"/>
+            </a:p>
+          </p:txBody>
+        </p:sp>
+      </p:grpSp>
+      <p:cxnSp>
+        <p:nvCxnSpPr>
+          <p:cNvPr id="40" name="Connector: Elbow 39">
+            <a:extLst>
+              <a:ext uri="{FF2B5EF4-FFF2-40B4-BE49-F238E27FC236}">
+                <a16:creationId xmlns:a16="http://schemas.microsoft.com/office/drawing/2014/main" id="{8513EC61-2065-6263-7BDE-64423D0B1957}"/>
+              </a:ext>
+            </a:extLst>
+          </p:cNvPr>
+          <p:cNvCxnSpPr>
+            <a:stCxn id="29" idx="1"/>
+          </p:cNvCxnSpPr>
+          <p:nvPr/>
+        </p:nvCxnSpPr>
+        <p:spPr>
+          <a:xfrm rot="10800000" flipV="1">
+            <a:off x="4195248" y="1901942"/>
+            <a:ext cx="1143669" cy="184666"/>
+          </a:xfrm>
+          <a:prstGeom prst="bentConnector3">
+            <a:avLst/>
+          </a:prstGeom>
+          <a:ln>
+            <a:tailEnd type="triangle"/>
+          </a:ln>
+        </p:spPr>
+        <p:style>
+          <a:lnRef idx="2">
+            <a:schemeClr val="accent1"/>
+          </a:lnRef>
+          <a:fillRef idx="0">
+            <a:schemeClr val="accent1"/>
+          </a:fillRef>
+          <a:effectRef idx="1">
+            <a:schemeClr val="accent1"/>
+          </a:effectRef>
+          <a:fontRef idx="minor">
+            <a:schemeClr val="tx1"/>
+          </a:fontRef>
+        </p:style>
+      </p:cxnSp>
     </p:spTree>
     <p:extLst>
       <p:ext uri="{BB962C8B-B14F-4D97-AF65-F5344CB8AC3E}">
@@ -4805,6 +5074,1778 @@
 </file>
 
 <file path=ppt/slides/slide2.xml><?xml version="1.0" encoding="utf-8"?>
+<p:sld xmlns:a="http://schemas.openxmlformats.org/drawingml/2006/main" xmlns:r="http://schemas.openxmlformats.org/officeDocument/2006/relationships" xmlns:p="http://schemas.openxmlformats.org/presentationml/2006/main">
+  <p:cSld>
+    <p:spTree>
+      <p:nvGrpSpPr>
+        <p:cNvPr id="1" name=""/>
+        <p:cNvGrpSpPr/>
+        <p:nvPr/>
+      </p:nvGrpSpPr>
+      <p:grpSpPr>
+        <a:xfrm>
+          <a:off x="0" y="0"/>
+          <a:ext cx="0" cy="0"/>
+          <a:chOff x="0" y="0"/>
+          <a:chExt cx="0" cy="0"/>
+        </a:xfrm>
+      </p:grpSpPr>
+      <p:sp>
+        <p:nvSpPr>
+          <p:cNvPr id="4" name="Rectangle 3">
+            <a:extLst>
+              <a:ext uri="{FF2B5EF4-FFF2-40B4-BE49-F238E27FC236}">
+                <a16:creationId xmlns:a16="http://schemas.microsoft.com/office/drawing/2014/main" id="{7C7C320E-9B4D-BFBF-6314-E6499297348D}"/>
+              </a:ext>
+            </a:extLst>
+          </p:cNvPr>
+          <p:cNvSpPr/>
+          <p:nvPr/>
+        </p:nvSpPr>
+        <p:spPr>
+          <a:xfrm>
+            <a:off x="1782417" y="245470"/>
+            <a:ext cx="5715196" cy="1006405"/>
+          </a:xfrm>
+          <a:prstGeom prst="rect">
+            <a:avLst/>
+          </a:prstGeom>
+          <a:solidFill>
+            <a:srgbClr val="ADD8E6">
+              <a:alpha val="29020"/>
+            </a:srgbClr>
+          </a:solidFill>
+          <a:ln>
+            <a:noFill/>
+          </a:ln>
+        </p:spPr>
+        <p:style>
+          <a:lnRef idx="2">
+            <a:schemeClr val="accent6">
+              <a:shade val="15000"/>
+            </a:schemeClr>
+          </a:lnRef>
+          <a:fillRef idx="1">
+            <a:schemeClr val="accent6"/>
+          </a:fillRef>
+          <a:effectRef idx="0">
+            <a:schemeClr val="accent6"/>
+          </a:effectRef>
+          <a:fontRef idx="minor">
+            <a:schemeClr val="lt1"/>
+          </a:fontRef>
+        </p:style>
+        <p:txBody>
+          <a:bodyPr rtlCol="0" anchor="ctr"/>
+          <a:lstStyle/>
+          <a:p>
+            <a:pPr algn="ctr"/>
+            <a:endParaRPr lang="fr-FR" dirty="0"/>
+          </a:p>
+        </p:txBody>
+      </p:sp>
+      <p:sp>
+        <p:nvSpPr>
+          <p:cNvPr id="5" name="Rectangle 4">
+            <a:extLst>
+              <a:ext uri="{FF2B5EF4-FFF2-40B4-BE49-F238E27FC236}">
+                <a16:creationId xmlns:a16="http://schemas.microsoft.com/office/drawing/2014/main" id="{DC73ED87-99DC-DCD3-53B6-79A175DA9C21}"/>
+              </a:ext>
+            </a:extLst>
+          </p:cNvPr>
+          <p:cNvSpPr/>
+          <p:nvPr/>
+        </p:nvSpPr>
+        <p:spPr>
+          <a:xfrm>
+            <a:off x="1782417" y="5664154"/>
+            <a:ext cx="5715196" cy="589342"/>
+          </a:xfrm>
+          <a:prstGeom prst="rect">
+            <a:avLst/>
+          </a:prstGeom>
+          <a:solidFill>
+            <a:srgbClr val="FFA07A">
+              <a:alpha val="29020"/>
+            </a:srgbClr>
+          </a:solidFill>
+          <a:ln>
+            <a:noFill/>
+          </a:ln>
+        </p:spPr>
+        <p:style>
+          <a:lnRef idx="2">
+            <a:schemeClr val="accent6">
+              <a:shade val="15000"/>
+            </a:schemeClr>
+          </a:lnRef>
+          <a:fillRef idx="1">
+            <a:schemeClr val="accent6"/>
+          </a:fillRef>
+          <a:effectRef idx="0">
+            <a:schemeClr val="accent6"/>
+          </a:effectRef>
+          <a:fontRef idx="minor">
+            <a:schemeClr val="lt1"/>
+          </a:fontRef>
+        </p:style>
+        <p:txBody>
+          <a:bodyPr rtlCol="0" anchor="ctr"/>
+          <a:lstStyle/>
+          <a:p>
+            <a:pPr algn="ctr"/>
+            <a:endParaRPr lang="fr-FR" dirty="0"/>
+          </a:p>
+        </p:txBody>
+      </p:sp>
+      <p:sp>
+        <p:nvSpPr>
+          <p:cNvPr id="6" name="Rectangle 5">
+            <a:extLst>
+              <a:ext uri="{FF2B5EF4-FFF2-40B4-BE49-F238E27FC236}">
+                <a16:creationId xmlns:a16="http://schemas.microsoft.com/office/drawing/2014/main" id="{D4740805-659A-8AD2-BE9D-1F5DB9154B51}"/>
+              </a:ext>
+            </a:extLst>
+          </p:cNvPr>
+          <p:cNvSpPr/>
+          <p:nvPr/>
+        </p:nvSpPr>
+        <p:spPr>
+          <a:xfrm>
+            <a:off x="1782417" y="2252729"/>
+            <a:ext cx="9141222" cy="3420662"/>
+          </a:xfrm>
+          <a:prstGeom prst="rect">
+            <a:avLst/>
+          </a:prstGeom>
+          <a:noFill/>
+          <a:ln>
+            <a:solidFill>
+              <a:schemeClr val="accent1"/>
+            </a:solidFill>
+          </a:ln>
+        </p:spPr>
+        <p:style>
+          <a:lnRef idx="2">
+            <a:schemeClr val="accent6">
+              <a:shade val="15000"/>
+            </a:schemeClr>
+          </a:lnRef>
+          <a:fillRef idx="1">
+            <a:schemeClr val="accent6"/>
+          </a:fillRef>
+          <a:effectRef idx="0">
+            <a:schemeClr val="accent6"/>
+          </a:effectRef>
+          <a:fontRef idx="minor">
+            <a:schemeClr val="lt1"/>
+          </a:fontRef>
+        </p:style>
+        <p:txBody>
+          <a:bodyPr rtlCol="0" anchor="ctr"/>
+          <a:lstStyle/>
+          <a:p>
+            <a:pPr algn="ctr"/>
+            <a:endParaRPr lang="fr-FR" dirty="0"/>
+          </a:p>
+        </p:txBody>
+      </p:sp>
+      <p:sp>
+        <p:nvSpPr>
+          <p:cNvPr id="7" name="Rectangle 6">
+            <a:extLst>
+              <a:ext uri="{FF2B5EF4-FFF2-40B4-BE49-F238E27FC236}">
+                <a16:creationId xmlns:a16="http://schemas.microsoft.com/office/drawing/2014/main" id="{B72DC2FA-2ACA-854D-DE6C-725113A58AF2}"/>
+              </a:ext>
+            </a:extLst>
+          </p:cNvPr>
+          <p:cNvSpPr/>
+          <p:nvPr/>
+        </p:nvSpPr>
+        <p:spPr>
+          <a:xfrm>
+            <a:off x="1782417" y="1245950"/>
+            <a:ext cx="5715196" cy="1006405"/>
+          </a:xfrm>
+          <a:prstGeom prst="rect">
+            <a:avLst/>
+          </a:prstGeom>
+          <a:solidFill>
+            <a:srgbClr val="C8C5C2">
+              <a:alpha val="29020"/>
+            </a:srgbClr>
+          </a:solidFill>
+          <a:ln>
+            <a:noFill/>
+          </a:ln>
+        </p:spPr>
+        <p:style>
+          <a:lnRef idx="2">
+            <a:schemeClr val="accent6">
+              <a:shade val="15000"/>
+            </a:schemeClr>
+          </a:lnRef>
+          <a:fillRef idx="1">
+            <a:schemeClr val="accent6"/>
+          </a:fillRef>
+          <a:effectRef idx="0">
+            <a:schemeClr val="accent6"/>
+          </a:effectRef>
+          <a:fontRef idx="minor">
+            <a:schemeClr val="lt1"/>
+          </a:fontRef>
+        </p:style>
+        <p:txBody>
+          <a:bodyPr rtlCol="0" anchor="ctr"/>
+          <a:lstStyle/>
+          <a:p>
+            <a:pPr algn="ctr"/>
+            <a:endParaRPr lang="fr-FR" dirty="0"/>
+          </a:p>
+        </p:txBody>
+      </p:sp>
+      <p:pic>
+        <p:nvPicPr>
+          <p:cNvPr id="8" name="Picture 7" descr="A hexagon with a map and icons&#10;&#10;Description automatically generated">
+            <a:extLst>
+              <a:ext uri="{FF2B5EF4-FFF2-40B4-BE49-F238E27FC236}">
+                <a16:creationId xmlns:a16="http://schemas.microsoft.com/office/drawing/2014/main" id="{130654EB-9247-F15A-6095-7D1CE5C9F79C}"/>
+              </a:ext>
+            </a:extLst>
+          </p:cNvPr>
+          <p:cNvPicPr>
+            <a:picLocks noChangeAspect="1"/>
+          </p:cNvPicPr>
+          <p:nvPr/>
+        </p:nvPicPr>
+        <p:blipFill>
+          <a:blip r:embed="rId2">
+            <a:extLst>
+              <a:ext uri="{28A0092B-C50C-407E-A947-70E740481C1C}">
+                <a14:useLocalDpi xmlns:a14="http://schemas.microsoft.com/office/drawing/2010/main" val="0"/>
+              </a:ext>
+            </a:extLst>
+          </a:blip>
+          <a:stretch>
+            <a:fillRect/>
+          </a:stretch>
+        </p:blipFill>
+        <p:spPr>
+          <a:xfrm>
+            <a:off x="3818495" y="1397386"/>
+            <a:ext cx="660668" cy="765253"/>
+          </a:xfrm>
+          <a:prstGeom prst="rect">
+            <a:avLst/>
+          </a:prstGeom>
+        </p:spPr>
+      </p:pic>
+      <p:sp>
+        <p:nvSpPr>
+          <p:cNvPr id="9" name="Right Brace 8">
+            <a:extLst>
+              <a:ext uri="{FF2B5EF4-FFF2-40B4-BE49-F238E27FC236}">
+                <a16:creationId xmlns:a16="http://schemas.microsoft.com/office/drawing/2014/main" id="{2CA5D7D3-0F42-6C41-E29B-D41EE2667A37}"/>
+              </a:ext>
+            </a:extLst>
+          </p:cNvPr>
+          <p:cNvSpPr/>
+          <p:nvPr/>
+        </p:nvSpPr>
+        <p:spPr>
+          <a:xfrm rot="5400000">
+            <a:off x="4066003" y="515374"/>
+            <a:ext cx="165652" cy="1172817"/>
+          </a:xfrm>
+          <a:prstGeom prst="rightBrace">
+            <a:avLst/>
+          </a:prstGeom>
+        </p:spPr>
+        <p:style>
+          <a:lnRef idx="2">
+            <a:schemeClr val="accent1"/>
+          </a:lnRef>
+          <a:fillRef idx="0">
+            <a:schemeClr val="accent1"/>
+          </a:fillRef>
+          <a:effectRef idx="1">
+            <a:schemeClr val="accent1"/>
+          </a:effectRef>
+          <a:fontRef idx="minor">
+            <a:schemeClr val="tx1"/>
+          </a:fontRef>
+        </p:style>
+        <p:txBody>
+          <a:bodyPr rtlCol="0" anchor="ctr"/>
+          <a:lstStyle/>
+          <a:p>
+            <a:pPr algn="ctr"/>
+            <a:endParaRPr lang="fr-FR"/>
+          </a:p>
+        </p:txBody>
+      </p:sp>
+      <p:grpSp>
+        <p:nvGrpSpPr>
+          <p:cNvPr id="10" name="Group 9">
+            <a:extLst>
+              <a:ext uri="{FF2B5EF4-FFF2-40B4-BE49-F238E27FC236}">
+                <a16:creationId xmlns:a16="http://schemas.microsoft.com/office/drawing/2014/main" id="{FCC36E7D-12EF-D7FF-FC11-DA24A36E46FB}"/>
+              </a:ext>
+            </a:extLst>
+          </p:cNvPr>
+          <p:cNvGrpSpPr/>
+          <p:nvPr/>
+        </p:nvGrpSpPr>
+        <p:grpSpPr>
+          <a:xfrm>
+            <a:off x="3409003" y="540606"/>
+            <a:ext cx="1479653" cy="499832"/>
+            <a:chOff x="3409003" y="540606"/>
+            <a:chExt cx="1479653" cy="499832"/>
+          </a:xfrm>
+        </p:grpSpPr>
+        <p:sp>
+          <p:nvSpPr>
+            <p:cNvPr id="11" name="Flowchart: Magnetic Disk 10">
+              <a:extLst>
+                <a:ext uri="{FF2B5EF4-FFF2-40B4-BE49-F238E27FC236}">
+                  <a16:creationId xmlns:a16="http://schemas.microsoft.com/office/drawing/2014/main" id="{3A534E56-CFFB-1C3E-80D6-444C9B636486}"/>
+                </a:ext>
+              </a:extLst>
+            </p:cNvPr>
+            <p:cNvSpPr/>
+            <p:nvPr/>
+          </p:nvSpPr>
+          <p:spPr>
+            <a:xfrm>
+              <a:off x="3409003" y="540608"/>
+              <a:ext cx="311573" cy="428411"/>
+            </a:xfrm>
+            <a:prstGeom prst="flowChartMagneticDisk">
+              <a:avLst/>
+            </a:prstGeom>
+            <a:solidFill>
+              <a:schemeClr val="accent1">
+                <a:lumMod val="60000"/>
+                <a:lumOff val="40000"/>
+              </a:schemeClr>
+            </a:solidFill>
+          </p:spPr>
+          <p:style>
+            <a:lnRef idx="2">
+              <a:schemeClr val="accent4">
+                <a:shade val="15000"/>
+              </a:schemeClr>
+            </a:lnRef>
+            <a:fillRef idx="1">
+              <a:schemeClr val="accent4"/>
+            </a:fillRef>
+            <a:effectRef idx="0">
+              <a:schemeClr val="accent4"/>
+            </a:effectRef>
+            <a:fontRef idx="minor">
+              <a:schemeClr val="lt1"/>
+            </a:fontRef>
+          </p:style>
+          <p:txBody>
+            <a:bodyPr rtlCol="0" anchor="ctr"/>
+            <a:lstStyle/>
+            <a:p>
+              <a:pPr algn="ctr"/>
+              <a:endParaRPr lang="fr-FR" dirty="0"/>
+            </a:p>
+          </p:txBody>
+        </p:sp>
+        <p:sp>
+          <p:nvSpPr>
+            <p:cNvPr id="12" name="Flowchart: Magnetic Disk 11">
+              <a:extLst>
+                <a:ext uri="{FF2B5EF4-FFF2-40B4-BE49-F238E27FC236}">
+                  <a16:creationId xmlns:a16="http://schemas.microsoft.com/office/drawing/2014/main" id="{D7D1C25D-88FC-AA14-B29F-614B0B31C6A3}"/>
+                </a:ext>
+              </a:extLst>
+            </p:cNvPr>
+            <p:cNvSpPr/>
+            <p:nvPr/>
+          </p:nvSpPr>
+          <p:spPr>
+            <a:xfrm>
+              <a:off x="3802125" y="540607"/>
+              <a:ext cx="311573" cy="428411"/>
+            </a:xfrm>
+            <a:prstGeom prst="flowChartMagneticDisk">
+              <a:avLst/>
+            </a:prstGeom>
+            <a:solidFill>
+              <a:schemeClr val="accent1">
+                <a:lumMod val="60000"/>
+                <a:lumOff val="40000"/>
+              </a:schemeClr>
+            </a:solidFill>
+          </p:spPr>
+          <p:style>
+            <a:lnRef idx="2">
+              <a:schemeClr val="accent4">
+                <a:shade val="15000"/>
+              </a:schemeClr>
+            </a:lnRef>
+            <a:fillRef idx="1">
+              <a:schemeClr val="accent4"/>
+            </a:fillRef>
+            <a:effectRef idx="0">
+              <a:schemeClr val="accent4"/>
+            </a:effectRef>
+            <a:fontRef idx="minor">
+              <a:schemeClr val="lt1"/>
+            </a:fontRef>
+          </p:style>
+          <p:txBody>
+            <a:bodyPr rtlCol="0" anchor="ctr"/>
+            <a:lstStyle/>
+            <a:p>
+              <a:pPr algn="ctr"/>
+              <a:endParaRPr lang="fr-FR" dirty="0"/>
+            </a:p>
+          </p:txBody>
+        </p:sp>
+        <p:sp>
+          <p:nvSpPr>
+            <p:cNvPr id="13" name="Flowchart: Magnetic Disk 12">
+              <a:extLst>
+                <a:ext uri="{FF2B5EF4-FFF2-40B4-BE49-F238E27FC236}">
+                  <a16:creationId xmlns:a16="http://schemas.microsoft.com/office/drawing/2014/main" id="{75393C2D-236F-A91B-4CAB-904A5A4F9648}"/>
+                </a:ext>
+              </a:extLst>
+            </p:cNvPr>
+            <p:cNvSpPr/>
+            <p:nvPr/>
+          </p:nvSpPr>
+          <p:spPr>
+            <a:xfrm>
+              <a:off x="4195247" y="540606"/>
+              <a:ext cx="311573" cy="428411"/>
+            </a:xfrm>
+            <a:prstGeom prst="flowChartMagneticDisk">
+              <a:avLst/>
+            </a:prstGeom>
+            <a:solidFill>
+              <a:schemeClr val="accent1">
+                <a:lumMod val="60000"/>
+                <a:lumOff val="40000"/>
+              </a:schemeClr>
+            </a:solidFill>
+          </p:spPr>
+          <p:style>
+            <a:lnRef idx="2">
+              <a:schemeClr val="accent4">
+                <a:shade val="15000"/>
+              </a:schemeClr>
+            </a:lnRef>
+            <a:fillRef idx="1">
+              <a:schemeClr val="accent4"/>
+            </a:fillRef>
+            <a:effectRef idx="0">
+              <a:schemeClr val="accent4"/>
+            </a:effectRef>
+            <a:fontRef idx="minor">
+              <a:schemeClr val="lt1"/>
+            </a:fontRef>
+          </p:style>
+          <p:txBody>
+            <a:bodyPr rtlCol="0" anchor="ctr"/>
+            <a:lstStyle/>
+            <a:p>
+              <a:pPr algn="ctr"/>
+              <a:endParaRPr lang="fr-FR" dirty="0"/>
+            </a:p>
+          </p:txBody>
+        </p:sp>
+        <p:sp>
+          <p:nvSpPr>
+            <p:cNvPr id="14" name="TextBox 13">
+              <a:extLst>
+                <a:ext uri="{FF2B5EF4-FFF2-40B4-BE49-F238E27FC236}">
+                  <a16:creationId xmlns:a16="http://schemas.microsoft.com/office/drawing/2014/main" id="{77DB1CD0-9DDE-69A7-97D0-797C41DBB89F}"/>
+                </a:ext>
+              </a:extLst>
+            </p:cNvPr>
+            <p:cNvSpPr txBox="1"/>
+            <p:nvPr/>
+          </p:nvSpPr>
+          <p:spPr>
+            <a:xfrm>
+              <a:off x="4506820" y="671106"/>
+              <a:ext cx="381836" cy="369332"/>
+            </a:xfrm>
+            <a:prstGeom prst="rect">
+              <a:avLst/>
+            </a:prstGeom>
+            <a:noFill/>
+          </p:spPr>
+          <p:txBody>
+            <a:bodyPr wrap="none" rtlCol="0">
+              <a:spAutoFit/>
+            </a:bodyPr>
+            <a:lstStyle/>
+            <a:p>
+              <a:r>
+                <a:rPr lang="en-GB" dirty="0"/>
+                <a:t>...</a:t>
+              </a:r>
+              <a:endParaRPr lang="fr-FR" dirty="0"/>
+            </a:p>
+          </p:txBody>
+        </p:sp>
+      </p:grpSp>
+      <p:sp>
+        <p:nvSpPr>
+          <p:cNvPr id="15" name="TextBox 14">
+            <a:extLst>
+              <a:ext uri="{FF2B5EF4-FFF2-40B4-BE49-F238E27FC236}">
+                <a16:creationId xmlns:a16="http://schemas.microsoft.com/office/drawing/2014/main" id="{5BC4F4A2-2B01-ECB0-9D02-C89B821D59CF}"/>
+              </a:ext>
+            </a:extLst>
+          </p:cNvPr>
+          <p:cNvSpPr txBox="1"/>
+          <p:nvPr/>
+        </p:nvSpPr>
+        <p:spPr>
+          <a:xfrm>
+            <a:off x="5977861" y="3456438"/>
+            <a:ext cx="750334" cy="369332"/>
+          </a:xfrm>
+          <a:prstGeom prst="rect">
+            <a:avLst/>
+          </a:prstGeom>
+          <a:noFill/>
+        </p:spPr>
+        <p:txBody>
+          <a:bodyPr wrap="none" rtlCol="0">
+            <a:spAutoFit/>
+          </a:bodyPr>
+          <a:lstStyle/>
+          <a:p>
+            <a:r>
+              <a:rPr lang="en-GB" dirty="0"/>
+              <a:t>filters</a:t>
+            </a:r>
+            <a:endParaRPr lang="fr-FR" dirty="0"/>
+          </a:p>
+        </p:txBody>
+      </p:sp>
+      <p:sp>
+        <p:nvSpPr>
+          <p:cNvPr id="16" name="TextBox 15">
+            <a:extLst>
+              <a:ext uri="{FF2B5EF4-FFF2-40B4-BE49-F238E27FC236}">
+                <a16:creationId xmlns:a16="http://schemas.microsoft.com/office/drawing/2014/main" id="{8341153B-AEC4-1092-7E40-D02724C2D92E}"/>
+              </a:ext>
+            </a:extLst>
+          </p:cNvPr>
+          <p:cNvSpPr txBox="1"/>
+          <p:nvPr/>
+        </p:nvSpPr>
+        <p:spPr>
+          <a:xfrm>
+            <a:off x="6925488" y="2378474"/>
+            <a:ext cx="660668" cy="523220"/>
+          </a:xfrm>
+          <a:prstGeom prst="rect">
+            <a:avLst/>
+          </a:prstGeom>
+          <a:noFill/>
+        </p:spPr>
+        <p:txBody>
+          <a:bodyPr wrap="square">
+            <a:spAutoFit/>
+          </a:bodyPr>
+          <a:lstStyle/>
+          <a:p>
+            <a:r>
+              <a:rPr lang="fr-FR" sz="2800" dirty="0"/>
+              <a:t>🕒</a:t>
+            </a:r>
+          </a:p>
+        </p:txBody>
+      </p:sp>
+      <p:sp>
+        <p:nvSpPr>
+          <p:cNvPr id="17" name="TextBox 16">
+            <a:extLst>
+              <a:ext uri="{FF2B5EF4-FFF2-40B4-BE49-F238E27FC236}">
+                <a16:creationId xmlns:a16="http://schemas.microsoft.com/office/drawing/2014/main" id="{9A73E6A8-1690-157F-1547-22FFE6AB1201}"/>
+              </a:ext>
+            </a:extLst>
+          </p:cNvPr>
+          <p:cNvSpPr txBox="1"/>
+          <p:nvPr/>
+        </p:nvSpPr>
+        <p:spPr>
+          <a:xfrm>
+            <a:off x="6881902" y="3092576"/>
+            <a:ext cx="747841" cy="523220"/>
+          </a:xfrm>
+          <a:prstGeom prst="rect">
+            <a:avLst/>
+          </a:prstGeom>
+          <a:noFill/>
+        </p:spPr>
+        <p:txBody>
+          <a:bodyPr wrap="square">
+            <a:spAutoFit/>
+          </a:bodyPr>
+          <a:lstStyle/>
+          <a:p>
+            <a:r>
+              <a:rPr lang="fr-FR" sz="2800" dirty="0"/>
+              <a:t>🗺️</a:t>
+            </a:r>
+          </a:p>
+        </p:txBody>
+      </p:sp>
+      <p:sp>
+        <p:nvSpPr>
+          <p:cNvPr id="18" name="TextBox 17">
+            <a:extLst>
+              <a:ext uri="{FF2B5EF4-FFF2-40B4-BE49-F238E27FC236}">
+                <a16:creationId xmlns:a16="http://schemas.microsoft.com/office/drawing/2014/main" id="{AF3FEA04-0EC9-5C80-5CA1-15E150CEC80E}"/>
+              </a:ext>
+            </a:extLst>
+          </p:cNvPr>
+          <p:cNvSpPr txBox="1"/>
+          <p:nvPr/>
+        </p:nvSpPr>
+        <p:spPr>
+          <a:xfrm>
+            <a:off x="7804731" y="2467946"/>
+            <a:ext cx="2680542" cy="338554"/>
+          </a:xfrm>
+          <a:prstGeom prst="rect">
+            <a:avLst/>
+          </a:prstGeom>
+          <a:noFill/>
+        </p:spPr>
+        <p:txBody>
+          <a:bodyPr wrap="none" rtlCol="0">
+            <a:spAutoFit/>
+          </a:bodyPr>
+          <a:lstStyle/>
+          <a:p>
+            <a:r>
+              <a:rPr lang="en-GB" sz="1600" dirty="0">
+                <a:latin typeface="Consolas" panose="020B0609020204030204" pitchFamily="49" charset="0"/>
+                <a:cs typeface="Courier New" panose="02070309020205020404" pitchFamily="49" charset="0"/>
+              </a:rPr>
+              <a:t>is.within </a:t>
+            </a:r>
+            <a:r>
+              <a:rPr lang="en-GB" sz="1600" dirty="0"/>
+              <a:t>selected period</a:t>
+            </a:r>
+            <a:endParaRPr lang="fr-FR" sz="1600" dirty="0"/>
+          </a:p>
+        </p:txBody>
+      </p:sp>
+      <p:sp>
+        <p:nvSpPr>
+          <p:cNvPr id="19" name="TextBox 18">
+            <a:extLst>
+              <a:ext uri="{FF2B5EF4-FFF2-40B4-BE49-F238E27FC236}">
+                <a16:creationId xmlns:a16="http://schemas.microsoft.com/office/drawing/2014/main" id="{BF2D0C1A-8974-D200-97C8-136536A6AE06}"/>
+              </a:ext>
+            </a:extLst>
+          </p:cNvPr>
+          <p:cNvSpPr txBox="1"/>
+          <p:nvPr/>
+        </p:nvSpPr>
+        <p:spPr>
+          <a:xfrm>
+            <a:off x="7804731" y="3169520"/>
+            <a:ext cx="2501967" cy="338554"/>
+          </a:xfrm>
+          <a:prstGeom prst="rect">
+            <a:avLst/>
+          </a:prstGeom>
+          <a:noFill/>
+        </p:spPr>
+        <p:txBody>
+          <a:bodyPr wrap="none" rtlCol="0">
+            <a:spAutoFit/>
+          </a:bodyPr>
+          <a:lstStyle/>
+          <a:p>
+            <a:r>
+              <a:rPr lang="en-GB" sz="1600" dirty="0">
+                <a:latin typeface="Consolas" panose="020B0609020204030204" pitchFamily="49" charset="0"/>
+              </a:rPr>
+              <a:t>is.within </a:t>
+            </a:r>
+            <a:r>
+              <a:rPr lang="en-GB" sz="1600" dirty="0"/>
+              <a:t>selected area</a:t>
+            </a:r>
+            <a:endParaRPr lang="fr-FR" sz="1600" dirty="0"/>
+          </a:p>
+        </p:txBody>
+      </p:sp>
+      <p:sp>
+        <p:nvSpPr>
+          <p:cNvPr id="20" name="Flowchart: Internal Storage 19">
+            <a:extLst>
+              <a:ext uri="{FF2B5EF4-FFF2-40B4-BE49-F238E27FC236}">
+                <a16:creationId xmlns:a16="http://schemas.microsoft.com/office/drawing/2014/main" id="{1B054BAA-1EC1-5D3D-81A8-AF10EF085AC3}"/>
+              </a:ext>
+            </a:extLst>
+          </p:cNvPr>
+          <p:cNvSpPr/>
+          <p:nvPr/>
+        </p:nvSpPr>
+        <p:spPr>
+          <a:xfrm>
+            <a:off x="7055563" y="3866099"/>
+            <a:ext cx="400518" cy="346363"/>
+          </a:xfrm>
+          <a:prstGeom prst="flowChartInternalStorage">
+            <a:avLst/>
+          </a:prstGeom>
+          <a:solidFill>
+            <a:schemeClr val="tx2">
+              <a:lumMod val="50000"/>
+              <a:lumOff val="50000"/>
+            </a:schemeClr>
+          </a:solidFill>
+        </p:spPr>
+        <p:style>
+          <a:lnRef idx="2">
+            <a:schemeClr val="accent4">
+              <a:shade val="15000"/>
+            </a:schemeClr>
+          </a:lnRef>
+          <a:fillRef idx="1">
+            <a:schemeClr val="accent4"/>
+          </a:fillRef>
+          <a:effectRef idx="0">
+            <a:schemeClr val="accent4"/>
+          </a:effectRef>
+          <a:fontRef idx="minor">
+            <a:schemeClr val="lt1"/>
+          </a:fontRef>
+        </p:style>
+        <p:txBody>
+          <a:bodyPr rtlCol="0" anchor="ctr"/>
+          <a:lstStyle/>
+          <a:p>
+            <a:pPr algn="ctr"/>
+            <a:endParaRPr lang="fr-FR"/>
+          </a:p>
+        </p:txBody>
+      </p:sp>
+      <p:sp>
+        <p:nvSpPr>
+          <p:cNvPr id="21" name="TextBox 20">
+            <a:extLst>
+              <a:ext uri="{FF2B5EF4-FFF2-40B4-BE49-F238E27FC236}">
+                <a16:creationId xmlns:a16="http://schemas.microsoft.com/office/drawing/2014/main" id="{A69AEEBB-95D2-8CC7-79C0-116294F0DCA5}"/>
+              </a:ext>
+            </a:extLst>
+          </p:cNvPr>
+          <p:cNvSpPr txBox="1"/>
+          <p:nvPr/>
+        </p:nvSpPr>
+        <p:spPr>
+          <a:xfrm>
+            <a:off x="7804731" y="3843130"/>
+            <a:ext cx="2518638" cy="338554"/>
+          </a:xfrm>
+          <a:prstGeom prst="rect">
+            <a:avLst/>
+          </a:prstGeom>
+          <a:noFill/>
+        </p:spPr>
+        <p:txBody>
+          <a:bodyPr wrap="none" rtlCol="0">
+            <a:spAutoFit/>
+          </a:bodyPr>
+          <a:lstStyle/>
+          <a:p>
+            <a:r>
+              <a:rPr lang="en-GB" sz="1600" dirty="0">
+                <a:latin typeface="Consolas" panose="020B0609020204030204" pitchFamily="49" charset="0"/>
+              </a:rPr>
+              <a:t>has.a</a:t>
+            </a:r>
+            <a:r>
+              <a:rPr lang="en-GB" sz="1600" dirty="0"/>
+              <a:t>              NeoNet class</a:t>
+            </a:r>
+            <a:endParaRPr lang="fr-FR" sz="1600" dirty="0"/>
+          </a:p>
+        </p:txBody>
+      </p:sp>
+      <p:sp>
+        <p:nvSpPr>
+          <p:cNvPr id="22" name="Flowchart: Internal Storage 21">
+            <a:extLst>
+              <a:ext uri="{FF2B5EF4-FFF2-40B4-BE49-F238E27FC236}">
+                <a16:creationId xmlns:a16="http://schemas.microsoft.com/office/drawing/2014/main" id="{5394778B-9763-AF11-CCEA-0D5DB0EDF74D}"/>
+              </a:ext>
+            </a:extLst>
+          </p:cNvPr>
+          <p:cNvSpPr/>
+          <p:nvPr/>
+        </p:nvSpPr>
+        <p:spPr>
+          <a:xfrm>
+            <a:off x="7045454" y="4532484"/>
+            <a:ext cx="420737" cy="363848"/>
+          </a:xfrm>
+          <a:prstGeom prst="flowChartInternalStorage">
+            <a:avLst/>
+          </a:prstGeom>
+          <a:solidFill>
+            <a:schemeClr val="tx2">
+              <a:lumMod val="50000"/>
+              <a:lumOff val="50000"/>
+            </a:schemeClr>
+          </a:solidFill>
+        </p:spPr>
+        <p:style>
+          <a:lnRef idx="2">
+            <a:schemeClr val="accent4">
+              <a:shade val="15000"/>
+            </a:schemeClr>
+          </a:lnRef>
+          <a:fillRef idx="1">
+            <a:schemeClr val="accent4"/>
+          </a:fillRef>
+          <a:effectRef idx="0">
+            <a:schemeClr val="accent4"/>
+          </a:effectRef>
+          <a:fontRef idx="minor">
+            <a:schemeClr val="lt1"/>
+          </a:fontRef>
+        </p:style>
+        <p:txBody>
+          <a:bodyPr rtlCol="0" anchor="ctr"/>
+          <a:lstStyle/>
+          <a:p>
+            <a:pPr algn="ctr"/>
+            <a:endParaRPr lang="fr-FR"/>
+          </a:p>
+        </p:txBody>
+      </p:sp>
+      <p:sp>
+        <p:nvSpPr>
+          <p:cNvPr id="23" name="TextBox 22">
+            <a:extLst>
+              <a:ext uri="{FF2B5EF4-FFF2-40B4-BE49-F238E27FC236}">
+                <a16:creationId xmlns:a16="http://schemas.microsoft.com/office/drawing/2014/main" id="{5DABDCF1-7166-9354-7FC7-E82B15434966}"/>
+              </a:ext>
+            </a:extLst>
+          </p:cNvPr>
+          <p:cNvSpPr txBox="1"/>
+          <p:nvPr/>
+        </p:nvSpPr>
+        <p:spPr>
+          <a:xfrm>
+            <a:off x="7804731" y="4529742"/>
+            <a:ext cx="2606804" cy="338554"/>
+          </a:xfrm>
+          <a:prstGeom prst="rect">
+            <a:avLst/>
+          </a:prstGeom>
+          <a:noFill/>
+        </p:spPr>
+        <p:txBody>
+          <a:bodyPr wrap="none" rtlCol="0">
+            <a:spAutoFit/>
+          </a:bodyPr>
+          <a:lstStyle/>
+          <a:p>
+            <a:r>
+              <a:rPr lang="en-GB" sz="1600" dirty="0">
+                <a:latin typeface="Consolas" panose="020B0609020204030204" pitchFamily="49" charset="0"/>
+              </a:rPr>
+              <a:t>is.not.in </a:t>
+            </a:r>
+            <a:r>
+              <a:rPr lang="en-GB" sz="1600" dirty="0"/>
+              <a:t>Aberrant dates</a:t>
+            </a:r>
+            <a:endParaRPr lang="fr-FR" sz="1600" dirty="0"/>
+          </a:p>
+        </p:txBody>
+      </p:sp>
+      <p:sp>
+        <p:nvSpPr>
+          <p:cNvPr id="24" name="Flowchart: Internal Storage 23">
+            <a:extLst>
+              <a:ext uri="{FF2B5EF4-FFF2-40B4-BE49-F238E27FC236}">
+                <a16:creationId xmlns:a16="http://schemas.microsoft.com/office/drawing/2014/main" id="{52E28F42-87CD-313E-94A1-EB43BD594A62}"/>
+              </a:ext>
+            </a:extLst>
+          </p:cNvPr>
+          <p:cNvSpPr/>
+          <p:nvPr/>
+        </p:nvSpPr>
+        <p:spPr>
+          <a:xfrm>
+            <a:off x="3938461" y="5813020"/>
+            <a:ext cx="420737" cy="363848"/>
+          </a:xfrm>
+          <a:prstGeom prst="flowChartInternalStorage">
+            <a:avLst/>
+          </a:prstGeom>
+          <a:solidFill>
+            <a:schemeClr val="accent1">
+              <a:lumMod val="20000"/>
+              <a:lumOff val="80000"/>
+            </a:schemeClr>
+          </a:solidFill>
+        </p:spPr>
+        <p:style>
+          <a:lnRef idx="2">
+            <a:schemeClr val="accent4">
+              <a:shade val="15000"/>
+            </a:schemeClr>
+          </a:lnRef>
+          <a:fillRef idx="1">
+            <a:schemeClr val="accent4"/>
+          </a:fillRef>
+          <a:effectRef idx="0">
+            <a:schemeClr val="accent4"/>
+          </a:effectRef>
+          <a:fontRef idx="minor">
+            <a:schemeClr val="lt1"/>
+          </a:fontRef>
+        </p:style>
+        <p:txBody>
+          <a:bodyPr rtlCol="0" anchor="ctr"/>
+          <a:lstStyle/>
+          <a:p>
+            <a:pPr algn="ctr"/>
+            <a:endParaRPr lang="fr-FR" dirty="0"/>
+          </a:p>
+        </p:txBody>
+      </p:sp>
+      <p:cxnSp>
+        <p:nvCxnSpPr>
+          <p:cNvPr id="25" name="Straight Arrow Connector 24">
+            <a:extLst>
+              <a:ext uri="{FF2B5EF4-FFF2-40B4-BE49-F238E27FC236}">
+                <a16:creationId xmlns:a16="http://schemas.microsoft.com/office/drawing/2014/main" id="{DDF6DB9D-0442-0733-7A43-48BBD0FA6704}"/>
+              </a:ext>
+            </a:extLst>
+          </p:cNvPr>
+          <p:cNvCxnSpPr>
+            <a:cxnSpLocks/>
+            <a:stCxn id="16" idx="2"/>
+            <a:endCxn id="17" idx="0"/>
+          </p:cNvCxnSpPr>
+          <p:nvPr/>
+        </p:nvCxnSpPr>
+        <p:spPr>
+          <a:xfrm>
+            <a:off x="7255822" y="2901694"/>
+            <a:ext cx="1" cy="190882"/>
+          </a:xfrm>
+          <a:prstGeom prst="straightConnector1">
+            <a:avLst/>
+          </a:prstGeom>
+          <a:ln>
+            <a:tailEnd type="triangle"/>
+          </a:ln>
+        </p:spPr>
+        <p:style>
+          <a:lnRef idx="2">
+            <a:schemeClr val="accent1"/>
+          </a:lnRef>
+          <a:fillRef idx="0">
+            <a:schemeClr val="accent1"/>
+          </a:fillRef>
+          <a:effectRef idx="1">
+            <a:schemeClr val="accent1"/>
+          </a:effectRef>
+          <a:fontRef idx="minor">
+            <a:schemeClr val="tx1"/>
+          </a:fontRef>
+        </p:style>
+      </p:cxnSp>
+      <p:cxnSp>
+        <p:nvCxnSpPr>
+          <p:cNvPr id="26" name="Straight Arrow Connector 25">
+            <a:extLst>
+              <a:ext uri="{FF2B5EF4-FFF2-40B4-BE49-F238E27FC236}">
+                <a16:creationId xmlns:a16="http://schemas.microsoft.com/office/drawing/2014/main" id="{250B6AAF-C0A2-91A6-2C34-020360F9DE70}"/>
+              </a:ext>
+            </a:extLst>
+          </p:cNvPr>
+          <p:cNvCxnSpPr>
+            <a:cxnSpLocks/>
+            <a:stCxn id="17" idx="2"/>
+            <a:endCxn id="20" idx="0"/>
+          </p:cNvCxnSpPr>
+          <p:nvPr/>
+        </p:nvCxnSpPr>
+        <p:spPr>
+          <a:xfrm flipH="1">
+            <a:off x="7255822" y="3615796"/>
+            <a:ext cx="1" cy="250303"/>
+          </a:xfrm>
+          <a:prstGeom prst="straightConnector1">
+            <a:avLst/>
+          </a:prstGeom>
+          <a:ln>
+            <a:tailEnd type="triangle"/>
+          </a:ln>
+        </p:spPr>
+        <p:style>
+          <a:lnRef idx="2">
+            <a:schemeClr val="accent1"/>
+          </a:lnRef>
+          <a:fillRef idx="0">
+            <a:schemeClr val="accent1"/>
+          </a:fillRef>
+          <a:effectRef idx="1">
+            <a:schemeClr val="accent1"/>
+          </a:effectRef>
+          <a:fontRef idx="minor">
+            <a:schemeClr val="tx1"/>
+          </a:fontRef>
+        </p:style>
+      </p:cxnSp>
+      <p:cxnSp>
+        <p:nvCxnSpPr>
+          <p:cNvPr id="27" name="Straight Arrow Connector 26">
+            <a:extLst>
+              <a:ext uri="{FF2B5EF4-FFF2-40B4-BE49-F238E27FC236}">
+                <a16:creationId xmlns:a16="http://schemas.microsoft.com/office/drawing/2014/main" id="{7D215AAC-425A-89C4-A03E-828C634FEE43}"/>
+              </a:ext>
+            </a:extLst>
+          </p:cNvPr>
+          <p:cNvCxnSpPr>
+            <a:cxnSpLocks/>
+            <a:stCxn id="20" idx="2"/>
+            <a:endCxn id="22" idx="0"/>
+          </p:cNvCxnSpPr>
+          <p:nvPr/>
+        </p:nvCxnSpPr>
+        <p:spPr>
+          <a:xfrm>
+            <a:off x="7255822" y="4212462"/>
+            <a:ext cx="1" cy="320022"/>
+          </a:xfrm>
+          <a:prstGeom prst="straightConnector1">
+            <a:avLst/>
+          </a:prstGeom>
+          <a:ln>
+            <a:tailEnd type="triangle"/>
+          </a:ln>
+        </p:spPr>
+        <p:style>
+          <a:lnRef idx="2">
+            <a:schemeClr val="accent1"/>
+          </a:lnRef>
+          <a:fillRef idx="0">
+            <a:schemeClr val="accent1"/>
+          </a:fillRef>
+          <a:effectRef idx="1">
+            <a:schemeClr val="accent1"/>
+          </a:effectRef>
+          <a:fontRef idx="minor">
+            <a:schemeClr val="tx1"/>
+          </a:fontRef>
+        </p:style>
+      </p:cxnSp>
+      <p:cxnSp>
+        <p:nvCxnSpPr>
+          <p:cNvPr id="28" name="Straight Arrow Connector 27">
+            <a:extLst>
+              <a:ext uri="{FF2B5EF4-FFF2-40B4-BE49-F238E27FC236}">
+                <a16:creationId xmlns:a16="http://schemas.microsoft.com/office/drawing/2014/main" id="{D446A9AB-4725-86AA-AE20-0F56F0D1C889}"/>
+              </a:ext>
+            </a:extLst>
+          </p:cNvPr>
+          <p:cNvCxnSpPr>
+            <a:cxnSpLocks/>
+            <a:stCxn id="22" idx="2"/>
+          </p:cNvCxnSpPr>
+          <p:nvPr/>
+        </p:nvCxnSpPr>
+        <p:spPr>
+          <a:xfrm>
+            <a:off x="7255823" y="4896332"/>
+            <a:ext cx="0" cy="286999"/>
+          </a:xfrm>
+          <a:prstGeom prst="straightConnector1">
+            <a:avLst/>
+          </a:prstGeom>
+          <a:ln>
+            <a:tailEnd type="triangle"/>
+          </a:ln>
+        </p:spPr>
+        <p:style>
+          <a:lnRef idx="2">
+            <a:schemeClr val="accent1"/>
+          </a:lnRef>
+          <a:fillRef idx="0">
+            <a:schemeClr val="accent1"/>
+          </a:fillRef>
+          <a:effectRef idx="1">
+            <a:schemeClr val="accent1"/>
+          </a:effectRef>
+          <a:fontRef idx="minor">
+            <a:schemeClr val="tx1"/>
+          </a:fontRef>
+        </p:style>
+      </p:cxnSp>
+      <p:cxnSp>
+        <p:nvCxnSpPr>
+          <p:cNvPr id="29" name="Straight Arrow Connector 28">
+            <a:extLst>
+              <a:ext uri="{FF2B5EF4-FFF2-40B4-BE49-F238E27FC236}">
+                <a16:creationId xmlns:a16="http://schemas.microsoft.com/office/drawing/2014/main" id="{7A5DD3E9-4894-614A-80EB-313F5268FF2C}"/>
+              </a:ext>
+            </a:extLst>
+          </p:cNvPr>
+          <p:cNvCxnSpPr>
+            <a:cxnSpLocks/>
+            <a:stCxn id="9" idx="1"/>
+            <a:endCxn id="8" idx="0"/>
+          </p:cNvCxnSpPr>
+          <p:nvPr/>
+        </p:nvCxnSpPr>
+        <p:spPr>
+          <a:xfrm>
+            <a:off x="4148829" y="1184609"/>
+            <a:ext cx="0" cy="212777"/>
+          </a:xfrm>
+          <a:prstGeom prst="straightConnector1">
+            <a:avLst/>
+          </a:prstGeom>
+          <a:ln>
+            <a:tailEnd type="triangle"/>
+          </a:ln>
+        </p:spPr>
+        <p:style>
+          <a:lnRef idx="2">
+            <a:schemeClr val="accent1"/>
+          </a:lnRef>
+          <a:fillRef idx="0">
+            <a:schemeClr val="accent1"/>
+          </a:fillRef>
+          <a:effectRef idx="1">
+            <a:schemeClr val="accent1"/>
+          </a:effectRef>
+          <a:fontRef idx="minor">
+            <a:schemeClr val="tx1"/>
+          </a:fontRef>
+        </p:style>
+      </p:cxnSp>
+      <p:cxnSp>
+        <p:nvCxnSpPr>
+          <p:cNvPr id="30" name="Straight Arrow Connector 29">
+            <a:extLst>
+              <a:ext uri="{FF2B5EF4-FFF2-40B4-BE49-F238E27FC236}">
+                <a16:creationId xmlns:a16="http://schemas.microsoft.com/office/drawing/2014/main" id="{2280D99A-AB90-0F7E-E408-FA876AD62FB6}"/>
+              </a:ext>
+            </a:extLst>
+          </p:cNvPr>
+          <p:cNvCxnSpPr>
+            <a:cxnSpLocks/>
+            <a:stCxn id="8" idx="2"/>
+          </p:cNvCxnSpPr>
+          <p:nvPr/>
+        </p:nvCxnSpPr>
+        <p:spPr>
+          <a:xfrm>
+            <a:off x="4148829" y="2162639"/>
+            <a:ext cx="0" cy="139629"/>
+          </a:xfrm>
+          <a:prstGeom prst="straightConnector1">
+            <a:avLst/>
+          </a:prstGeom>
+          <a:ln>
+            <a:tailEnd type="triangle"/>
+          </a:ln>
+        </p:spPr>
+        <p:style>
+          <a:lnRef idx="2">
+            <a:schemeClr val="accent1"/>
+          </a:lnRef>
+          <a:fillRef idx="0">
+            <a:schemeClr val="accent1"/>
+          </a:fillRef>
+          <a:effectRef idx="1">
+            <a:schemeClr val="accent1"/>
+          </a:effectRef>
+          <a:fontRef idx="minor">
+            <a:schemeClr val="tx1"/>
+          </a:fontRef>
+        </p:style>
+      </p:cxnSp>
+      <p:sp>
+        <p:nvSpPr>
+          <p:cNvPr id="31" name="TextBox 30">
+            <a:extLst>
+              <a:ext uri="{FF2B5EF4-FFF2-40B4-BE49-F238E27FC236}">
+                <a16:creationId xmlns:a16="http://schemas.microsoft.com/office/drawing/2014/main" id="{56DA8390-C785-3AE5-DC54-44DF715D0135}"/>
+              </a:ext>
+            </a:extLst>
+          </p:cNvPr>
+          <p:cNvSpPr txBox="1"/>
+          <p:nvPr/>
+        </p:nvSpPr>
+        <p:spPr>
+          <a:xfrm>
+            <a:off x="1996345" y="1564486"/>
+            <a:ext cx="869149" cy="369332"/>
+          </a:xfrm>
+          <a:prstGeom prst="rect">
+            <a:avLst/>
+          </a:prstGeom>
+          <a:noFill/>
+        </p:spPr>
+        <p:txBody>
+          <a:bodyPr wrap="none" rtlCol="0">
+            <a:spAutoFit/>
+          </a:bodyPr>
+          <a:lstStyle/>
+          <a:p>
+            <a:r>
+              <a:rPr lang="en-GB" dirty="0"/>
+              <a:t>collect</a:t>
+            </a:r>
+            <a:endParaRPr lang="fr-FR" dirty="0"/>
+          </a:p>
+        </p:txBody>
+      </p:sp>
+      <p:sp>
+        <p:nvSpPr>
+          <p:cNvPr id="32" name="TextBox 31">
+            <a:extLst>
+              <a:ext uri="{FF2B5EF4-FFF2-40B4-BE49-F238E27FC236}">
+                <a16:creationId xmlns:a16="http://schemas.microsoft.com/office/drawing/2014/main" id="{D85CDC15-A1FF-A087-124A-FC61513E8698}"/>
+              </a:ext>
+            </a:extLst>
+          </p:cNvPr>
+          <p:cNvSpPr txBox="1"/>
+          <p:nvPr/>
+        </p:nvSpPr>
+        <p:spPr>
+          <a:xfrm>
+            <a:off x="1996345" y="412875"/>
+            <a:ext cx="1226618" cy="646331"/>
+          </a:xfrm>
+          <a:prstGeom prst="rect">
+            <a:avLst/>
+          </a:prstGeom>
+          <a:noFill/>
+        </p:spPr>
+        <p:txBody>
+          <a:bodyPr wrap="none" rtlCol="0">
+            <a:spAutoFit/>
+          </a:bodyPr>
+          <a:lstStyle/>
+          <a:p>
+            <a:r>
+              <a:rPr lang="en-GB" dirty="0"/>
+              <a:t>date</a:t>
+            </a:r>
+          </a:p>
+          <a:p>
+            <a:r>
+              <a:rPr lang="fr-FR" dirty="0" err="1"/>
+              <a:t>databases</a:t>
+            </a:r>
+            <a:endParaRPr lang="fr-FR" dirty="0"/>
+          </a:p>
+        </p:txBody>
+      </p:sp>
+      <p:sp>
+        <p:nvSpPr>
+          <p:cNvPr id="33" name="TextBox 32">
+            <a:extLst>
+              <a:ext uri="{FF2B5EF4-FFF2-40B4-BE49-F238E27FC236}">
+                <a16:creationId xmlns:a16="http://schemas.microsoft.com/office/drawing/2014/main" id="{FF167EE2-D186-2CAC-7095-5958C6799E8F}"/>
+              </a:ext>
+            </a:extLst>
+          </p:cNvPr>
+          <p:cNvSpPr txBox="1"/>
+          <p:nvPr/>
+        </p:nvSpPr>
+        <p:spPr>
+          <a:xfrm>
+            <a:off x="1942644" y="5774159"/>
+            <a:ext cx="848309" cy="369332"/>
+          </a:xfrm>
+          <a:prstGeom prst="rect">
+            <a:avLst/>
+          </a:prstGeom>
+          <a:noFill/>
+        </p:spPr>
+        <p:txBody>
+          <a:bodyPr wrap="none" rtlCol="0">
+            <a:spAutoFit/>
+          </a:bodyPr>
+          <a:lstStyle/>
+          <a:p>
+            <a:r>
+              <a:rPr lang="en-GB" dirty="0"/>
+              <a:t>output</a:t>
+            </a:r>
+            <a:endParaRPr lang="fr-FR" dirty="0"/>
+          </a:p>
+        </p:txBody>
+      </p:sp>
+      <p:sp>
+        <p:nvSpPr>
+          <p:cNvPr id="34" name="Flowchart: Internal Storage 33">
+            <a:extLst>
+              <a:ext uri="{FF2B5EF4-FFF2-40B4-BE49-F238E27FC236}">
+                <a16:creationId xmlns:a16="http://schemas.microsoft.com/office/drawing/2014/main" id="{C63163BF-0443-B703-EA1D-27D18AC47DAA}"/>
+              </a:ext>
+            </a:extLst>
+          </p:cNvPr>
+          <p:cNvSpPr/>
+          <p:nvPr/>
+        </p:nvSpPr>
+        <p:spPr>
+          <a:xfrm>
+            <a:off x="7035631" y="5183331"/>
+            <a:ext cx="420737" cy="363848"/>
+          </a:xfrm>
+          <a:prstGeom prst="flowChartInternalStorage">
+            <a:avLst/>
+          </a:prstGeom>
+          <a:solidFill>
+            <a:schemeClr val="tx2">
+              <a:lumMod val="50000"/>
+              <a:lumOff val="50000"/>
+            </a:schemeClr>
+          </a:solidFill>
+        </p:spPr>
+        <p:style>
+          <a:lnRef idx="2">
+            <a:schemeClr val="accent4">
+              <a:shade val="15000"/>
+            </a:schemeClr>
+          </a:lnRef>
+          <a:fillRef idx="1">
+            <a:schemeClr val="accent4"/>
+          </a:fillRef>
+          <a:effectRef idx="0">
+            <a:schemeClr val="accent4"/>
+          </a:effectRef>
+          <a:fontRef idx="minor">
+            <a:schemeClr val="lt1"/>
+          </a:fontRef>
+        </p:style>
+        <p:txBody>
+          <a:bodyPr rtlCol="0" anchor="ctr"/>
+          <a:lstStyle/>
+          <a:p>
+            <a:pPr algn="ctr"/>
+            <a:endParaRPr lang="fr-FR"/>
+          </a:p>
+        </p:txBody>
+      </p:sp>
+      <p:cxnSp>
+        <p:nvCxnSpPr>
+          <p:cNvPr id="35" name="Straight Arrow Connector 34">
+            <a:extLst>
+              <a:ext uri="{FF2B5EF4-FFF2-40B4-BE49-F238E27FC236}">
+                <a16:creationId xmlns:a16="http://schemas.microsoft.com/office/drawing/2014/main" id="{C1184E23-DB14-1653-1EDF-C4BD302B30E9}"/>
+              </a:ext>
+            </a:extLst>
+          </p:cNvPr>
+          <p:cNvCxnSpPr>
+            <a:cxnSpLocks/>
+            <a:endCxn id="24" idx="0"/>
+          </p:cNvCxnSpPr>
+          <p:nvPr/>
+        </p:nvCxnSpPr>
+        <p:spPr>
+          <a:xfrm>
+            <a:off x="4148829" y="5700481"/>
+            <a:ext cx="1" cy="112539"/>
+          </a:xfrm>
+          <a:prstGeom prst="straightConnector1">
+            <a:avLst/>
+          </a:prstGeom>
+          <a:ln>
+            <a:tailEnd type="triangle"/>
+          </a:ln>
+        </p:spPr>
+        <p:style>
+          <a:lnRef idx="2">
+            <a:schemeClr val="accent1"/>
+          </a:lnRef>
+          <a:fillRef idx="0">
+            <a:schemeClr val="accent1"/>
+          </a:fillRef>
+          <a:effectRef idx="1">
+            <a:schemeClr val="accent1"/>
+          </a:effectRef>
+          <a:fontRef idx="minor">
+            <a:schemeClr val="tx1"/>
+          </a:fontRef>
+        </p:style>
+      </p:cxnSp>
+      <p:sp>
+        <p:nvSpPr>
+          <p:cNvPr id="36" name="TextBox 35">
+            <a:extLst>
+              <a:ext uri="{FF2B5EF4-FFF2-40B4-BE49-F238E27FC236}">
+                <a16:creationId xmlns:a16="http://schemas.microsoft.com/office/drawing/2014/main" id="{CD89CEB4-D6A1-ED4E-469E-263E29ED9F38}"/>
+              </a:ext>
+            </a:extLst>
+          </p:cNvPr>
+          <p:cNvSpPr txBox="1"/>
+          <p:nvPr/>
+        </p:nvSpPr>
+        <p:spPr>
+          <a:xfrm>
+            <a:off x="7837180" y="5206428"/>
+            <a:ext cx="2603598" cy="338554"/>
+          </a:xfrm>
+          <a:prstGeom prst="rect">
+            <a:avLst/>
+          </a:prstGeom>
+          <a:noFill/>
+        </p:spPr>
+        <p:txBody>
+          <a:bodyPr wrap="none" rtlCol="0">
+            <a:spAutoFit/>
+          </a:bodyPr>
+          <a:lstStyle/>
+          <a:p>
+            <a:r>
+              <a:rPr lang="en-GB" sz="1600" dirty="0">
+                <a:latin typeface="Consolas" panose="020B0609020204030204" pitchFamily="49" charset="0"/>
+              </a:rPr>
+              <a:t>has.a     </a:t>
+            </a:r>
+            <a:r>
+              <a:rPr lang="en-GB" sz="1600" dirty="0"/>
+              <a:t>SD &lt; threshold</a:t>
+            </a:r>
+            <a:endParaRPr lang="fr-FR" sz="1600" dirty="0"/>
+          </a:p>
+        </p:txBody>
+      </p:sp>
+      <p:sp>
+        <p:nvSpPr>
+          <p:cNvPr id="37" name="TextBox 36">
+            <a:extLst>
+              <a:ext uri="{FF2B5EF4-FFF2-40B4-BE49-F238E27FC236}">
+                <a16:creationId xmlns:a16="http://schemas.microsoft.com/office/drawing/2014/main" id="{77A60C0B-C13A-1F6B-9B0D-236026DD166C}"/>
+              </a:ext>
+            </a:extLst>
+          </p:cNvPr>
+          <p:cNvSpPr txBox="1"/>
+          <p:nvPr/>
+        </p:nvSpPr>
+        <p:spPr>
+          <a:xfrm>
+            <a:off x="5263756" y="1312560"/>
+            <a:ext cx="1806905" cy="369332"/>
+          </a:xfrm>
+          <a:prstGeom prst="rect">
+            <a:avLst/>
+          </a:prstGeom>
+          <a:noFill/>
+        </p:spPr>
+        <p:txBody>
+          <a:bodyPr wrap="none" rtlCol="0">
+            <a:spAutoFit/>
+          </a:bodyPr>
+          <a:lstStyle/>
+          <a:p>
+            <a:r>
+              <a:rPr lang="en-GB" dirty="0"/>
+              <a:t>3</a:t>
+            </a:r>
+            <a:r>
+              <a:rPr lang="en-GB" baseline="30000" dirty="0"/>
+              <a:t>rd</a:t>
+            </a:r>
+            <a:r>
+              <a:rPr lang="en-GB" dirty="0"/>
+              <a:t> part datasets</a:t>
+            </a:r>
+            <a:endParaRPr lang="fr-FR" dirty="0"/>
+          </a:p>
+        </p:txBody>
+      </p:sp>
+      <p:grpSp>
+        <p:nvGrpSpPr>
+          <p:cNvPr id="38" name="Group 37">
+            <a:extLst>
+              <a:ext uri="{FF2B5EF4-FFF2-40B4-BE49-F238E27FC236}">
+                <a16:creationId xmlns:a16="http://schemas.microsoft.com/office/drawing/2014/main" id="{0A6656BF-8121-E793-2631-C7BA33648D49}"/>
+              </a:ext>
+            </a:extLst>
+          </p:cNvPr>
+          <p:cNvGrpSpPr/>
+          <p:nvPr/>
+        </p:nvGrpSpPr>
+        <p:grpSpPr>
+          <a:xfrm>
+            <a:off x="5338916" y="1717276"/>
+            <a:ext cx="1081122" cy="369332"/>
+            <a:chOff x="8062452" y="2162639"/>
+            <a:chExt cx="1081122" cy="369332"/>
+          </a:xfrm>
+        </p:grpSpPr>
+        <p:sp>
+          <p:nvSpPr>
+            <p:cNvPr id="39" name="Rectangle: Folded Corner 38">
+              <a:extLst>
+                <a:ext uri="{FF2B5EF4-FFF2-40B4-BE49-F238E27FC236}">
+                  <a16:creationId xmlns:a16="http://schemas.microsoft.com/office/drawing/2014/main" id="{1438A78D-5526-0A52-C424-54633BEE6806}"/>
+                </a:ext>
+              </a:extLst>
+            </p:cNvPr>
+            <p:cNvSpPr/>
+            <p:nvPr/>
+          </p:nvSpPr>
+          <p:spPr>
+            <a:xfrm>
+              <a:off x="8062452" y="2162639"/>
+              <a:ext cx="304798" cy="369332"/>
+            </a:xfrm>
+            <a:prstGeom prst="foldedCorner">
+              <a:avLst/>
+            </a:prstGeom>
+            <a:solidFill>
+              <a:schemeClr val="accent1">
+                <a:lumMod val="40000"/>
+                <a:lumOff val="60000"/>
+              </a:schemeClr>
+            </a:solidFill>
+          </p:spPr>
+          <p:style>
+            <a:lnRef idx="2">
+              <a:schemeClr val="accent1">
+                <a:shade val="15000"/>
+              </a:schemeClr>
+            </a:lnRef>
+            <a:fillRef idx="1">
+              <a:schemeClr val="accent1"/>
+            </a:fillRef>
+            <a:effectRef idx="0">
+              <a:schemeClr val="accent1"/>
+            </a:effectRef>
+            <a:fontRef idx="minor">
+              <a:schemeClr val="lt1"/>
+            </a:fontRef>
+          </p:style>
+          <p:txBody>
+            <a:bodyPr rtlCol="0" anchor="ctr"/>
+            <a:lstStyle/>
+            <a:p>
+              <a:pPr algn="ctr"/>
+              <a:endParaRPr lang="fr-FR"/>
+            </a:p>
+          </p:txBody>
+        </p:sp>
+        <p:sp>
+          <p:nvSpPr>
+            <p:cNvPr id="40" name="Rectangle: Folded Corner 39">
+              <a:extLst>
+                <a:ext uri="{FF2B5EF4-FFF2-40B4-BE49-F238E27FC236}">
+                  <a16:creationId xmlns:a16="http://schemas.microsoft.com/office/drawing/2014/main" id="{28F680C0-EC7B-FB9C-AB8E-E4049B2EA81D}"/>
+                </a:ext>
+              </a:extLst>
+            </p:cNvPr>
+            <p:cNvSpPr/>
+            <p:nvPr/>
+          </p:nvSpPr>
+          <p:spPr>
+            <a:xfrm>
+              <a:off x="8450614" y="2162639"/>
+              <a:ext cx="304798" cy="369332"/>
+            </a:xfrm>
+            <a:prstGeom prst="foldedCorner">
+              <a:avLst/>
+            </a:prstGeom>
+            <a:solidFill>
+              <a:schemeClr val="accent1">
+                <a:lumMod val="40000"/>
+                <a:lumOff val="60000"/>
+              </a:schemeClr>
+            </a:solidFill>
+          </p:spPr>
+          <p:style>
+            <a:lnRef idx="2">
+              <a:schemeClr val="accent1">
+                <a:shade val="15000"/>
+              </a:schemeClr>
+            </a:lnRef>
+            <a:fillRef idx="1">
+              <a:schemeClr val="accent1"/>
+            </a:fillRef>
+            <a:effectRef idx="0">
+              <a:schemeClr val="accent1"/>
+            </a:effectRef>
+            <a:fontRef idx="minor">
+              <a:schemeClr val="lt1"/>
+            </a:fontRef>
+          </p:style>
+          <p:txBody>
+            <a:bodyPr rtlCol="0" anchor="ctr"/>
+            <a:lstStyle/>
+            <a:p>
+              <a:pPr algn="ctr"/>
+              <a:endParaRPr lang="fr-FR"/>
+            </a:p>
+          </p:txBody>
+        </p:sp>
+        <p:sp>
+          <p:nvSpPr>
+            <p:cNvPr id="41" name="Rectangle: Folded Corner 40">
+              <a:extLst>
+                <a:ext uri="{FF2B5EF4-FFF2-40B4-BE49-F238E27FC236}">
+                  <a16:creationId xmlns:a16="http://schemas.microsoft.com/office/drawing/2014/main" id="{7AD71A58-D09E-F2DC-0255-E722E6E1C24F}"/>
+                </a:ext>
+              </a:extLst>
+            </p:cNvPr>
+            <p:cNvSpPr/>
+            <p:nvPr/>
+          </p:nvSpPr>
+          <p:spPr>
+            <a:xfrm>
+              <a:off x="8838776" y="2162639"/>
+              <a:ext cx="304798" cy="369332"/>
+            </a:xfrm>
+            <a:prstGeom prst="foldedCorner">
+              <a:avLst/>
+            </a:prstGeom>
+            <a:solidFill>
+              <a:schemeClr val="accent1">
+                <a:lumMod val="40000"/>
+                <a:lumOff val="60000"/>
+              </a:schemeClr>
+            </a:solidFill>
+          </p:spPr>
+          <p:style>
+            <a:lnRef idx="2">
+              <a:schemeClr val="accent1">
+                <a:shade val="15000"/>
+              </a:schemeClr>
+            </a:lnRef>
+            <a:fillRef idx="1">
+              <a:schemeClr val="accent1"/>
+            </a:fillRef>
+            <a:effectRef idx="0">
+              <a:schemeClr val="accent1"/>
+            </a:effectRef>
+            <a:fontRef idx="minor">
+              <a:schemeClr val="lt1"/>
+            </a:fontRef>
+          </p:style>
+          <p:txBody>
+            <a:bodyPr rtlCol="0" anchor="ctr"/>
+            <a:lstStyle/>
+            <a:p>
+              <a:pPr algn="ctr"/>
+              <a:endParaRPr lang="fr-FR"/>
+            </a:p>
+          </p:txBody>
+        </p:sp>
+      </p:grpSp>
+      <p:cxnSp>
+        <p:nvCxnSpPr>
+          <p:cNvPr id="42" name="Connector: Elbow 41">
+            <a:extLst>
+              <a:ext uri="{FF2B5EF4-FFF2-40B4-BE49-F238E27FC236}">
+                <a16:creationId xmlns:a16="http://schemas.microsoft.com/office/drawing/2014/main" id="{9B2D91FF-DFCB-1535-588C-59FB474E132C}"/>
+              </a:ext>
+            </a:extLst>
+          </p:cNvPr>
+          <p:cNvCxnSpPr>
+            <a:stCxn id="39" idx="1"/>
+          </p:cNvCxnSpPr>
+          <p:nvPr/>
+        </p:nvCxnSpPr>
+        <p:spPr>
+          <a:xfrm rot="10800000" flipV="1">
+            <a:off x="4195248" y="1901942"/>
+            <a:ext cx="1143669" cy="184666"/>
+          </a:xfrm>
+          <a:prstGeom prst="bentConnector3">
+            <a:avLst/>
+          </a:prstGeom>
+          <a:ln>
+            <a:tailEnd type="triangle"/>
+          </a:ln>
+        </p:spPr>
+        <p:style>
+          <a:lnRef idx="2">
+            <a:schemeClr val="accent1"/>
+          </a:lnRef>
+          <a:fillRef idx="0">
+            <a:schemeClr val="accent1"/>
+          </a:fillRef>
+          <a:effectRef idx="1">
+            <a:schemeClr val="accent1"/>
+          </a:effectRef>
+          <a:fontRef idx="minor">
+            <a:schemeClr val="tx1"/>
+          </a:fontRef>
+        </p:style>
+      </p:cxnSp>
+      <p:sp>
+        <p:nvSpPr>
+          <p:cNvPr id="43" name="TextBox 42">
+            <a:extLst>
+              <a:ext uri="{FF2B5EF4-FFF2-40B4-BE49-F238E27FC236}">
+                <a16:creationId xmlns:a16="http://schemas.microsoft.com/office/drawing/2014/main" id="{2EFB7E45-E0C2-CE30-086B-4932298F12B4}"/>
+              </a:ext>
+            </a:extLst>
+          </p:cNvPr>
+          <p:cNvSpPr txBox="1"/>
+          <p:nvPr/>
+        </p:nvSpPr>
+        <p:spPr>
+          <a:xfrm>
+            <a:off x="2234487" y="3456438"/>
+            <a:ext cx="1733167" cy="369332"/>
+          </a:xfrm>
+          <a:prstGeom prst="rect">
+            <a:avLst/>
+          </a:prstGeom>
+          <a:noFill/>
+        </p:spPr>
+        <p:txBody>
+          <a:bodyPr wrap="none" rtlCol="0">
+            <a:spAutoFit/>
+          </a:bodyPr>
+          <a:lstStyle/>
+          <a:p>
+            <a:r>
+              <a:rPr lang="en-GB" dirty="0"/>
+              <a:t>standardization</a:t>
+            </a:r>
+            <a:endParaRPr lang="fr-FR" dirty="0"/>
+          </a:p>
+        </p:txBody>
+      </p:sp>
+    </p:spTree>
+    <p:extLst>
+      <p:ext uri="{BB962C8B-B14F-4D97-AF65-F5344CB8AC3E}">
+        <p14:creationId xmlns:p14="http://schemas.microsoft.com/office/powerpoint/2010/main" val="3726364131"/>
+      </p:ext>
+    </p:extLst>
+  </p:cSld>
+  <p:clrMapOvr>
+    <a:masterClrMapping/>
+  </p:clrMapOvr>
+</p:sld>
+</file>
+
+<file path=ppt/slides/slide3.xml><?xml version="1.0" encoding="utf-8"?>
 <p:sld xmlns:a="http://schemas.openxmlformats.org/drawingml/2006/main" xmlns:r="http://schemas.openxmlformats.org/officeDocument/2006/relationships" xmlns:p="http://schemas.openxmlformats.org/presentationml/2006/main">
   <p:cSld>
     <p:spTree>

--- a/doc/talks/2024-simep/img/workflow-radiocaron-dataset.pptx
+++ b/doc/talks/2024-simep/img/workflow-radiocaron-dataset.pptx
@@ -6,8 +6,9 @@
   </p:sldMasterIdLst>
   <p:sldIdLst>
     <p:sldId id="256" r:id="rId2"/>
-    <p:sldId id="258" r:id="rId3"/>
-    <p:sldId id="257" r:id="rId4"/>
+    <p:sldId id="259" r:id="rId3"/>
+    <p:sldId id="258" r:id="rId4"/>
+    <p:sldId id="257" r:id="rId5"/>
   </p:sldIdLst>
   <p:sldSz cx="12192000" cy="6858000"/>
   <p:notesSz cx="6858000" cy="9144000"/>
@@ -263,7 +264,7 @@
           <a:p>
             <a:fld id="{BA9A846D-2588-49B8-9C92-41FE75F0A136}" type="datetimeFigureOut">
               <a:rPr lang="fr-FR" smtClean="0"/>
-              <a:t>11/12/2024</a:t>
+              <a:t>14/12/2024</a:t>
             </a:fld>
             <a:endParaRPr lang="fr-FR"/>
           </a:p>
@@ -463,7 +464,7 @@
           <a:p>
             <a:fld id="{BA9A846D-2588-49B8-9C92-41FE75F0A136}" type="datetimeFigureOut">
               <a:rPr lang="fr-FR" smtClean="0"/>
-              <a:t>11/12/2024</a:t>
+              <a:t>14/12/2024</a:t>
             </a:fld>
             <a:endParaRPr lang="fr-FR"/>
           </a:p>
@@ -673,7 +674,7 @@
           <a:p>
             <a:fld id="{BA9A846D-2588-49B8-9C92-41FE75F0A136}" type="datetimeFigureOut">
               <a:rPr lang="fr-FR" smtClean="0"/>
-              <a:t>11/12/2024</a:t>
+              <a:t>14/12/2024</a:t>
             </a:fld>
             <a:endParaRPr lang="fr-FR"/>
           </a:p>
@@ -873,7 +874,7 @@
           <a:p>
             <a:fld id="{BA9A846D-2588-49B8-9C92-41FE75F0A136}" type="datetimeFigureOut">
               <a:rPr lang="fr-FR" smtClean="0"/>
-              <a:t>11/12/2024</a:t>
+              <a:t>14/12/2024</a:t>
             </a:fld>
             <a:endParaRPr lang="fr-FR"/>
           </a:p>
@@ -1149,7 +1150,7 @@
           <a:p>
             <a:fld id="{BA9A846D-2588-49B8-9C92-41FE75F0A136}" type="datetimeFigureOut">
               <a:rPr lang="fr-FR" smtClean="0"/>
-              <a:t>11/12/2024</a:t>
+              <a:t>14/12/2024</a:t>
             </a:fld>
             <a:endParaRPr lang="fr-FR"/>
           </a:p>
@@ -1417,7 +1418,7 @@
           <a:p>
             <a:fld id="{BA9A846D-2588-49B8-9C92-41FE75F0A136}" type="datetimeFigureOut">
               <a:rPr lang="fr-FR" smtClean="0"/>
-              <a:t>11/12/2024</a:t>
+              <a:t>14/12/2024</a:t>
             </a:fld>
             <a:endParaRPr lang="fr-FR"/>
           </a:p>
@@ -1832,7 +1833,7 @@
           <a:p>
             <a:fld id="{BA9A846D-2588-49B8-9C92-41FE75F0A136}" type="datetimeFigureOut">
               <a:rPr lang="fr-FR" smtClean="0"/>
-              <a:t>11/12/2024</a:t>
+              <a:t>14/12/2024</a:t>
             </a:fld>
             <a:endParaRPr lang="fr-FR"/>
           </a:p>
@@ -1974,7 +1975,7 @@
           <a:p>
             <a:fld id="{BA9A846D-2588-49B8-9C92-41FE75F0A136}" type="datetimeFigureOut">
               <a:rPr lang="fr-FR" smtClean="0"/>
-              <a:t>11/12/2024</a:t>
+              <a:t>14/12/2024</a:t>
             </a:fld>
             <a:endParaRPr lang="fr-FR"/>
           </a:p>
@@ -2087,7 +2088,7 @@
           <a:p>
             <a:fld id="{BA9A846D-2588-49B8-9C92-41FE75F0A136}" type="datetimeFigureOut">
               <a:rPr lang="fr-FR" smtClean="0"/>
-              <a:t>11/12/2024</a:t>
+              <a:t>14/12/2024</a:t>
             </a:fld>
             <a:endParaRPr lang="fr-FR"/>
           </a:p>
@@ -2400,7 +2401,7 @@
           <a:p>
             <a:fld id="{BA9A846D-2588-49B8-9C92-41FE75F0A136}" type="datetimeFigureOut">
               <a:rPr lang="fr-FR" smtClean="0"/>
-              <a:t>11/12/2024</a:t>
+              <a:t>14/12/2024</a:t>
             </a:fld>
             <a:endParaRPr lang="fr-FR"/>
           </a:p>
@@ -2689,7 +2690,7 @@
           <a:p>
             <a:fld id="{BA9A846D-2588-49B8-9C92-41FE75F0A136}" type="datetimeFigureOut">
               <a:rPr lang="fr-FR" smtClean="0"/>
-              <a:t>11/12/2024</a:t>
+              <a:t>14/12/2024</a:t>
             </a:fld>
             <a:endParaRPr lang="fr-FR"/>
           </a:p>
@@ -2932,7 +2933,7 @@
           <a:p>
             <a:fld id="{BA9A846D-2588-49B8-9C92-41FE75F0A136}" type="datetimeFigureOut">
               <a:rPr lang="fr-FR" smtClean="0"/>
-              <a:t>11/12/2024</a:t>
+              <a:t>14/12/2024</a:t>
             </a:fld>
             <a:endParaRPr lang="fr-FR"/>
           </a:p>
@@ -3363,19 +3364,17 @@
         </p:nvSpPr>
         <p:spPr>
           <a:xfrm>
-            <a:off x="1782417" y="245470"/>
-            <a:ext cx="5715196" cy="1006405"/>
+            <a:off x="1782417" y="245469"/>
+            <a:ext cx="5715196" cy="1988928"/>
           </a:xfrm>
           <a:prstGeom prst="rect">
             <a:avLst/>
           </a:prstGeom>
-          <a:solidFill>
-            <a:srgbClr val="ADD8E6">
-              <a:alpha val="29020"/>
-            </a:srgbClr>
-          </a:solidFill>
+          <a:noFill/>
           <a:ln>
-            <a:noFill/>
+            <a:solidFill>
+              <a:srgbClr val="FFA07A"/>
+            </a:solidFill>
           </a:ln>
         </p:spPr>
         <p:style>
@@ -3405,10 +3404,10 @@
       </p:sp>
       <p:sp>
         <p:nvSpPr>
-          <p:cNvPr id="89" name="Rectangle 88">
-            <a:extLst>
-              <a:ext uri="{FF2B5EF4-FFF2-40B4-BE49-F238E27FC236}">
-                <a16:creationId xmlns:a16="http://schemas.microsoft.com/office/drawing/2014/main" id="{67BFD986-3EA1-3FB2-C118-99BB093A9D9A}"/>
+          <p:cNvPr id="85" name="Rectangle 84">
+            <a:extLst>
+              <a:ext uri="{FF2B5EF4-FFF2-40B4-BE49-F238E27FC236}">
+                <a16:creationId xmlns:a16="http://schemas.microsoft.com/office/drawing/2014/main" id="{7C7BF674-0F60-3371-CEB8-B813A9CABEB3}"/>
               </a:ext>
             </a:extLst>
           </p:cNvPr>
@@ -3417,127 +3416,17 @@
         </p:nvSpPr>
         <p:spPr>
           <a:xfrm>
-            <a:off x="1782417" y="5664154"/>
-            <a:ext cx="5715196" cy="589342"/>
+            <a:off x="1782417" y="2242897"/>
+            <a:ext cx="5715196" cy="3119558"/>
           </a:xfrm>
           <a:prstGeom prst="rect">
             <a:avLst/>
           </a:prstGeom>
-          <a:solidFill>
-            <a:srgbClr val="FFA07A">
-              <a:alpha val="29020"/>
-            </a:srgbClr>
-          </a:solidFill>
+          <a:noFill/>
           <a:ln>
-            <a:noFill/>
-          </a:ln>
-        </p:spPr>
-        <p:style>
-          <a:lnRef idx="2">
-            <a:schemeClr val="accent6">
-              <a:shade val="15000"/>
-            </a:schemeClr>
-          </a:lnRef>
-          <a:fillRef idx="1">
-            <a:schemeClr val="accent6"/>
-          </a:fillRef>
-          <a:effectRef idx="0">
-            <a:schemeClr val="accent6"/>
-          </a:effectRef>
-          <a:fontRef idx="minor">
-            <a:schemeClr val="lt1"/>
-          </a:fontRef>
-        </p:style>
-        <p:txBody>
-          <a:bodyPr rtlCol="0" anchor="ctr"/>
-          <a:lstStyle/>
-          <a:p>
-            <a:pPr algn="ctr"/>
-            <a:endParaRPr lang="fr-FR" dirty="0"/>
-          </a:p>
-        </p:txBody>
-      </p:sp>
-      <p:sp>
-        <p:nvSpPr>
-          <p:cNvPr id="85" name="Rectangle 84">
-            <a:extLst>
-              <a:ext uri="{FF2B5EF4-FFF2-40B4-BE49-F238E27FC236}">
-                <a16:creationId xmlns:a16="http://schemas.microsoft.com/office/drawing/2014/main" id="{7C7BF674-0F60-3371-CEB8-B813A9CABEB3}"/>
-              </a:ext>
-            </a:extLst>
-          </p:cNvPr>
-          <p:cNvSpPr/>
-          <p:nvPr/>
-        </p:nvSpPr>
-        <p:spPr>
-          <a:xfrm>
-            <a:off x="1782417" y="2252729"/>
-            <a:ext cx="5715196" cy="3420662"/>
-          </a:xfrm>
-          <a:prstGeom prst="rect">
-            <a:avLst/>
-          </a:prstGeom>
-          <a:solidFill>
-            <a:srgbClr val="E4B39E">
-              <a:alpha val="29020"/>
-            </a:srgbClr>
-          </a:solidFill>
-          <a:ln>
-            <a:noFill/>
-          </a:ln>
-        </p:spPr>
-        <p:style>
-          <a:lnRef idx="2">
-            <a:schemeClr val="accent6">
-              <a:shade val="15000"/>
-            </a:schemeClr>
-          </a:lnRef>
-          <a:fillRef idx="1">
-            <a:schemeClr val="accent6"/>
-          </a:fillRef>
-          <a:effectRef idx="0">
-            <a:schemeClr val="accent6"/>
-          </a:effectRef>
-          <a:fontRef idx="minor">
-            <a:schemeClr val="lt1"/>
-          </a:fontRef>
-        </p:style>
-        <p:txBody>
-          <a:bodyPr rtlCol="0" anchor="ctr"/>
-          <a:lstStyle/>
-          <a:p>
-            <a:pPr algn="ctr"/>
-            <a:endParaRPr lang="fr-FR" dirty="0"/>
-          </a:p>
-        </p:txBody>
-      </p:sp>
-      <p:sp>
-        <p:nvSpPr>
-          <p:cNvPr id="84" name="Rectangle 83">
-            <a:extLst>
-              <a:ext uri="{FF2B5EF4-FFF2-40B4-BE49-F238E27FC236}">
-                <a16:creationId xmlns:a16="http://schemas.microsoft.com/office/drawing/2014/main" id="{43756EC3-A8A6-7EB2-2262-A22F2C3BFCE4}"/>
-              </a:ext>
-            </a:extLst>
-          </p:cNvPr>
-          <p:cNvSpPr/>
-          <p:nvPr/>
-        </p:nvSpPr>
-        <p:spPr>
-          <a:xfrm>
-            <a:off x="1782417" y="1245950"/>
-            <a:ext cx="5715196" cy="1006405"/>
-          </a:xfrm>
-          <a:prstGeom prst="rect">
-            <a:avLst/>
-          </a:prstGeom>
-          <a:solidFill>
-            <a:srgbClr val="C8C5C2">
-              <a:alpha val="29020"/>
-            </a:srgbClr>
-          </a:solidFill>
-          <a:ln>
-            <a:noFill/>
+            <a:solidFill>
+              <a:srgbClr val="FFA07A"/>
+            </a:solidFill>
           </a:ln>
         </p:spPr>
         <p:style>
@@ -3872,8 +3761,8 @@
         </p:nvSpPr>
         <p:spPr>
           <a:xfrm>
-            <a:off x="1996345" y="3304195"/>
-            <a:ext cx="750334" cy="369332"/>
+            <a:off x="1996345" y="3530336"/>
+            <a:ext cx="1744388" cy="646331"/>
           </a:xfrm>
           <a:prstGeom prst="rect">
             <a:avLst/>
@@ -3888,6 +3777,12 @@
           <a:p>
             <a:r>
               <a:rPr lang="en-GB" dirty="0"/>
+              <a:t>standardisation</a:t>
+            </a:r>
+          </a:p>
+          <a:p>
+            <a:r>
+              <a:rPr lang="en-GB" dirty="0"/>
               <a:t>filters</a:t>
             </a:r>
             <a:endParaRPr lang="fr-FR" dirty="0"/>
@@ -3908,7 +3803,7 @@
         </p:nvSpPr>
         <p:spPr>
           <a:xfrm>
-            <a:off x="3818495" y="2378474"/>
+            <a:off x="3818495" y="2319482"/>
             <a:ext cx="660668" cy="523220"/>
           </a:xfrm>
           <a:prstGeom prst="rect">
@@ -3943,7 +3838,7 @@
         </p:nvSpPr>
         <p:spPr>
           <a:xfrm>
-            <a:off x="3774909" y="3092576"/>
+            <a:off x="3774909" y="3031014"/>
             <a:ext cx="747841" cy="523220"/>
           </a:xfrm>
           <a:prstGeom prst="rect">
@@ -3978,7 +3873,7 @@
         </p:nvSpPr>
         <p:spPr>
           <a:xfrm>
-            <a:off x="4697738" y="2467946"/>
+            <a:off x="4697738" y="2428618"/>
             <a:ext cx="2680542" cy="338554"/>
           </a:xfrm>
           <a:prstGeom prst="rect">
@@ -4021,7 +3916,7 @@
         </p:nvSpPr>
         <p:spPr>
           <a:xfrm>
-            <a:off x="4697738" y="3169520"/>
+            <a:off x="4697738" y="3110528"/>
             <a:ext cx="2501967" cy="338554"/>
           </a:xfrm>
           <a:prstGeom prst="rect">
@@ -4063,7 +3958,7 @@
         </p:nvSpPr>
         <p:spPr>
           <a:xfrm>
-            <a:off x="3948570" y="3866099"/>
+            <a:off x="3948570" y="3742545"/>
             <a:ext cx="400518" cy="346363"/>
           </a:xfrm>
           <a:prstGeom prst="flowChartInternalStorage">
@@ -4115,7 +4010,7 @@
         </p:nvSpPr>
         <p:spPr>
           <a:xfrm>
-            <a:off x="4697738" y="3843130"/>
+            <a:off x="4697738" y="3774306"/>
             <a:ext cx="2518638" cy="338554"/>
           </a:xfrm>
           <a:prstGeom prst="rect">
@@ -4157,7 +4052,7 @@
         </p:nvSpPr>
         <p:spPr>
           <a:xfrm>
-            <a:off x="3938461" y="4532484"/>
+            <a:off x="3938461" y="4277219"/>
             <a:ext cx="420737" cy="363848"/>
           </a:xfrm>
           <a:prstGeom prst="flowChartInternalStorage">
@@ -4209,7 +4104,7 @@
         </p:nvSpPr>
         <p:spPr>
           <a:xfrm>
-            <a:off x="4697738" y="4529742"/>
+            <a:off x="4697738" y="4323270"/>
             <a:ext cx="2606804" cy="338554"/>
           </a:xfrm>
           <a:prstGeom prst="rect">
@@ -4234,58 +4129,6 @@
               <a:t>Aberrant dates</a:t>
             </a:r>
             <a:endParaRPr lang="fr-FR" sz="1600" dirty="0"/>
-          </a:p>
-        </p:txBody>
-      </p:sp>
-      <p:sp>
-        <p:nvSpPr>
-          <p:cNvPr id="26" name="Flowchart: Internal Storage 25">
-            <a:extLst>
-              <a:ext uri="{FF2B5EF4-FFF2-40B4-BE49-F238E27FC236}">
-                <a16:creationId xmlns:a16="http://schemas.microsoft.com/office/drawing/2014/main" id="{5D2A9CAA-EE3A-F84E-38F2-E2D5763F1B31}"/>
-              </a:ext>
-            </a:extLst>
-          </p:cNvPr>
-          <p:cNvSpPr/>
-          <p:nvPr/>
-        </p:nvSpPr>
-        <p:spPr>
-          <a:xfrm>
-            <a:off x="3938461" y="5813020"/>
-            <a:ext cx="420737" cy="363848"/>
-          </a:xfrm>
-          <a:prstGeom prst="flowChartInternalStorage">
-            <a:avLst/>
-          </a:prstGeom>
-          <a:solidFill>
-            <a:schemeClr val="accent1">
-              <a:lumMod val="20000"/>
-              <a:lumOff val="80000"/>
-            </a:schemeClr>
-          </a:solidFill>
-        </p:spPr>
-        <p:style>
-          <a:lnRef idx="2">
-            <a:schemeClr val="accent4">
-              <a:shade val="15000"/>
-            </a:schemeClr>
-          </a:lnRef>
-          <a:fillRef idx="1">
-            <a:schemeClr val="accent4"/>
-          </a:fillRef>
-          <a:effectRef idx="0">
-            <a:schemeClr val="accent4"/>
-          </a:effectRef>
-          <a:fontRef idx="minor">
-            <a:schemeClr val="lt1"/>
-          </a:fontRef>
-        </p:style>
-        <p:txBody>
-          <a:bodyPr rtlCol="0" anchor="ctr"/>
-          <a:lstStyle/>
-          <a:p>
-            <a:pPr algn="ctr"/>
-            <a:endParaRPr lang="fr-FR" dirty="0"/>
           </a:p>
         </p:txBody>
       </p:sp>
@@ -4307,8 +4150,8 @@
         </p:nvCxnSpPr>
         <p:spPr>
           <a:xfrm>
-            <a:off x="4148829" y="2901694"/>
-            <a:ext cx="1" cy="190882"/>
+            <a:off x="4148829" y="2842702"/>
+            <a:ext cx="1" cy="188312"/>
           </a:xfrm>
           <a:prstGeom prst="straightConnector1">
             <a:avLst/>
@@ -4350,8 +4193,8 @@
         </p:nvCxnSpPr>
         <p:spPr>
           <a:xfrm flipH="1">
-            <a:off x="4148829" y="3615796"/>
-            <a:ext cx="1" cy="250303"/>
+            <a:off x="4148829" y="3554234"/>
+            <a:ext cx="1" cy="188311"/>
           </a:xfrm>
           <a:prstGeom prst="straightConnector1">
             <a:avLst/>
@@ -4393,8 +4236,8 @@
         </p:nvCxnSpPr>
         <p:spPr>
           <a:xfrm>
-            <a:off x="4148829" y="4212462"/>
-            <a:ext cx="1" cy="320022"/>
+            <a:off x="4148829" y="4088908"/>
+            <a:ext cx="1" cy="188311"/>
           </a:xfrm>
           <a:prstGeom prst="straightConnector1">
             <a:avLst/>
@@ -4436,8 +4279,8 @@
         </p:nvCxnSpPr>
         <p:spPr>
           <a:xfrm>
-            <a:off x="4148830" y="4896332"/>
-            <a:ext cx="0" cy="286999"/>
+            <a:off x="4148830" y="4641067"/>
+            <a:ext cx="0" cy="188312"/>
           </a:xfrm>
           <a:prstGeom prst="straightConnector1">
             <a:avLst/>
@@ -4523,7 +4366,7 @@
         <p:spPr>
           <a:xfrm>
             <a:off x="4148829" y="2162639"/>
-            <a:ext cx="0" cy="215835"/>
+            <a:ext cx="0" cy="156843"/>
           </a:xfrm>
           <a:prstGeom prst="straightConnector1">
             <a:avLst/>
@@ -4597,8 +4440,8 @@
         </p:nvSpPr>
         <p:spPr>
           <a:xfrm>
-            <a:off x="1996345" y="412875"/>
-            <a:ext cx="1226618" cy="646331"/>
+            <a:off x="1996345" y="599688"/>
+            <a:ext cx="1226618" cy="369332"/>
           </a:xfrm>
           <a:prstGeom prst="rect">
             <a:avLst/>
@@ -4612,12 +4455,6 @@
           <a:lstStyle/>
           <a:p>
             <a:r>
-              <a:rPr lang="en-GB" dirty="0"/>
-              <a:t>date</a:t>
-            </a:r>
-          </a:p>
-          <a:p>
-            <a:r>
               <a:rPr lang="fr-FR" dirty="0" err="1"/>
               <a:t>databases</a:t>
             </a:r>
@@ -4627,42 +4464,6 @@
       </p:sp>
       <p:sp>
         <p:nvSpPr>
-          <p:cNvPr id="90" name="TextBox 89">
-            <a:extLst>
-              <a:ext uri="{FF2B5EF4-FFF2-40B4-BE49-F238E27FC236}">
-                <a16:creationId xmlns:a16="http://schemas.microsoft.com/office/drawing/2014/main" id="{90FF2FE2-E1C7-4F9A-FAC4-BC077D6A5ACE}"/>
-              </a:ext>
-            </a:extLst>
-          </p:cNvPr>
-          <p:cNvSpPr txBox="1"/>
-          <p:nvPr/>
-        </p:nvSpPr>
-        <p:spPr>
-          <a:xfrm>
-            <a:off x="1942644" y="5774159"/>
-            <a:ext cx="848309" cy="369332"/>
-          </a:xfrm>
-          <a:prstGeom prst="rect">
-            <a:avLst/>
-          </a:prstGeom>
-          <a:noFill/>
-        </p:spPr>
-        <p:txBody>
-          <a:bodyPr wrap="none" rtlCol="0">
-            <a:spAutoFit/>
-          </a:bodyPr>
-          <a:lstStyle/>
-          <a:p>
-            <a:r>
-              <a:rPr lang="en-GB" dirty="0"/>
-              <a:t>output</a:t>
-            </a:r>
-            <a:endParaRPr lang="fr-FR" dirty="0"/>
-          </a:p>
-        </p:txBody>
-      </p:sp>
-      <p:sp>
-        <p:nvSpPr>
           <p:cNvPr id="2" name="Flowchart: Internal Storage 1">
             <a:extLst>
               <a:ext uri="{FF2B5EF4-FFF2-40B4-BE49-F238E27FC236}">
@@ -4675,7 +4476,7 @@
         </p:nvSpPr>
         <p:spPr>
           <a:xfrm>
-            <a:off x="3938461" y="5183331"/>
+            <a:off x="3938461" y="4829379"/>
             <a:ext cx="420737" cy="363848"/>
           </a:xfrm>
           <a:prstGeom prst="flowChartInternalStorage">
@@ -4724,15 +4525,13 @@
           </p:cNvPr>
           <p:cNvCxnSpPr>
             <a:cxnSpLocks/>
-            <a:stCxn id="2" idx="2"/>
-            <a:endCxn id="26" idx="0"/>
           </p:cNvCxnSpPr>
           <p:nvPr/>
         </p:nvCxnSpPr>
         <p:spPr>
           <a:xfrm>
-            <a:off x="4148830" y="5547179"/>
-            <a:ext cx="0" cy="265841"/>
+            <a:off x="4148830" y="5193227"/>
+            <a:ext cx="0" cy="295337"/>
           </a:xfrm>
           <a:prstGeom prst="straightConnector1">
             <a:avLst/>
@@ -4770,7 +4569,7 @@
         </p:nvSpPr>
         <p:spPr>
           <a:xfrm>
-            <a:off x="4730187" y="5206428"/>
+            <a:off x="4730187" y="4803310"/>
             <a:ext cx="2603598" cy="338554"/>
           </a:xfrm>
           <a:prstGeom prst="rect">
@@ -5029,6 +4828,7 @@
             </a:extLst>
           </p:cNvPr>
           <p:cNvCxnSpPr>
+            <a:cxnSpLocks/>
             <a:stCxn id="29" idx="1"/>
           </p:cNvCxnSpPr>
           <p:nvPr/>
@@ -5036,7 +4836,1798 @@
         <p:spPr>
           <a:xfrm rot="10800000" flipV="1">
             <a:off x="4195248" y="1901942"/>
-            <a:ext cx="1143669" cy="184666"/>
+            <a:ext cx="1143669" cy="476532"/>
+          </a:xfrm>
+          <a:prstGeom prst="bentConnector3">
+            <a:avLst/>
+          </a:prstGeom>
+          <a:ln>
+            <a:tailEnd type="triangle"/>
+          </a:ln>
+        </p:spPr>
+        <p:style>
+          <a:lnRef idx="2">
+            <a:schemeClr val="accent1"/>
+          </a:lnRef>
+          <a:fillRef idx="0">
+            <a:schemeClr val="accent1"/>
+          </a:fillRef>
+          <a:effectRef idx="1">
+            <a:schemeClr val="accent1"/>
+          </a:effectRef>
+          <a:fontRef idx="minor">
+            <a:schemeClr val="tx1"/>
+          </a:fontRef>
+        </p:style>
+      </p:cxnSp>
+      <p:pic>
+        <p:nvPicPr>
+          <p:cNvPr id="15" name="Picture 14" descr="A hexagon with a red blue and orange graph&#10;&#10;Description automatically generated">
+            <a:extLst>
+              <a:ext uri="{FF2B5EF4-FFF2-40B4-BE49-F238E27FC236}">
+                <a16:creationId xmlns:a16="http://schemas.microsoft.com/office/drawing/2014/main" id="{5E756AF8-0CEE-D8E0-95BB-9CF2C6E69892}"/>
+              </a:ext>
+            </a:extLst>
+          </p:cNvPr>
+          <p:cNvPicPr>
+            <a:picLocks noChangeAspect="1"/>
+          </p:cNvPicPr>
+          <p:nvPr/>
+        </p:nvPicPr>
+        <p:blipFill>
+          <a:blip r:embed="rId3">
+            <a:extLst>
+              <a:ext uri="{28A0092B-C50C-407E-A947-70E740481C1C}">
+                <a14:useLocalDpi xmlns:a14="http://schemas.microsoft.com/office/drawing/2010/main" val="0"/>
+              </a:ext>
+            </a:extLst>
+          </a:blip>
+          <a:stretch>
+            <a:fillRect/>
+          </a:stretch>
+        </p:blipFill>
+        <p:spPr>
+          <a:xfrm>
+            <a:off x="2028922" y="2413457"/>
+            <a:ext cx="683972" cy="797967"/>
+          </a:xfrm>
+          <a:prstGeom prst="rect">
+            <a:avLst/>
+          </a:prstGeom>
+        </p:spPr>
+      </p:pic>
+    </p:spTree>
+    <p:extLst>
+      <p:ext uri="{BB962C8B-B14F-4D97-AF65-F5344CB8AC3E}">
+        <p14:creationId xmlns:p14="http://schemas.microsoft.com/office/powerpoint/2010/main" val="3878705017"/>
+      </p:ext>
+    </p:extLst>
+  </p:cSld>
+  <p:clrMapOvr>
+    <a:masterClrMapping/>
+  </p:clrMapOvr>
+</p:sld>
+</file>
+
+<file path=ppt/slides/slide2.xml><?xml version="1.0" encoding="utf-8"?>
+<p:sld xmlns:a="http://schemas.openxmlformats.org/drawingml/2006/main" xmlns:r="http://schemas.openxmlformats.org/officeDocument/2006/relationships" xmlns:p="http://schemas.openxmlformats.org/presentationml/2006/main">
+  <p:cSld>
+    <p:spTree>
+      <p:nvGrpSpPr>
+        <p:cNvPr id="1" name="">
+          <a:extLst>
+            <a:ext uri="{FF2B5EF4-FFF2-40B4-BE49-F238E27FC236}">
+              <a16:creationId xmlns:a16="http://schemas.microsoft.com/office/drawing/2014/main" id="{04593D0F-0AF2-3A25-4331-AC4E13DCF7F9}"/>
+            </a:ext>
+          </a:extLst>
+        </p:cNvPr>
+        <p:cNvGrpSpPr/>
+        <p:nvPr/>
+      </p:nvGrpSpPr>
+      <p:grpSpPr>
+        <a:xfrm>
+          <a:off x="0" y="0"/>
+          <a:ext cx="0" cy="0"/>
+          <a:chOff x="0" y="0"/>
+          <a:chExt cx="0" cy="0"/>
+        </a:xfrm>
+      </p:grpSpPr>
+      <p:sp>
+        <p:nvSpPr>
+          <p:cNvPr id="87" name="Rectangle 86">
+            <a:extLst>
+              <a:ext uri="{FF2B5EF4-FFF2-40B4-BE49-F238E27FC236}">
+                <a16:creationId xmlns:a16="http://schemas.microsoft.com/office/drawing/2014/main" id="{BBB9DE6A-0DFB-9271-BEE8-4C8FA85927E7}"/>
+              </a:ext>
+            </a:extLst>
+          </p:cNvPr>
+          <p:cNvSpPr/>
+          <p:nvPr/>
+        </p:nvSpPr>
+        <p:spPr>
+          <a:xfrm>
+            <a:off x="1782417" y="245470"/>
+            <a:ext cx="5715196" cy="1006405"/>
+          </a:xfrm>
+          <a:prstGeom prst="rect">
+            <a:avLst/>
+          </a:prstGeom>
+          <a:solidFill>
+            <a:srgbClr val="ADD8E6">
+              <a:alpha val="29020"/>
+            </a:srgbClr>
+          </a:solidFill>
+          <a:ln>
+            <a:noFill/>
+          </a:ln>
+        </p:spPr>
+        <p:style>
+          <a:lnRef idx="2">
+            <a:schemeClr val="accent6">
+              <a:shade val="15000"/>
+            </a:schemeClr>
+          </a:lnRef>
+          <a:fillRef idx="1">
+            <a:schemeClr val="accent6"/>
+          </a:fillRef>
+          <a:effectRef idx="0">
+            <a:schemeClr val="accent6"/>
+          </a:effectRef>
+          <a:fontRef idx="minor">
+            <a:schemeClr val="lt1"/>
+          </a:fontRef>
+        </p:style>
+        <p:txBody>
+          <a:bodyPr rtlCol="0" anchor="ctr"/>
+          <a:lstStyle/>
+          <a:p>
+            <a:pPr algn="ctr"/>
+            <a:endParaRPr lang="fr-FR" dirty="0"/>
+          </a:p>
+        </p:txBody>
+      </p:sp>
+      <p:sp>
+        <p:nvSpPr>
+          <p:cNvPr id="89" name="Rectangle 88">
+            <a:extLst>
+              <a:ext uri="{FF2B5EF4-FFF2-40B4-BE49-F238E27FC236}">
+                <a16:creationId xmlns:a16="http://schemas.microsoft.com/office/drawing/2014/main" id="{4E98145A-8CB4-B4E6-EBC5-358DBACBC51C}"/>
+              </a:ext>
+            </a:extLst>
+          </p:cNvPr>
+          <p:cNvSpPr/>
+          <p:nvPr/>
+        </p:nvSpPr>
+        <p:spPr>
+          <a:xfrm>
+            <a:off x="1782417" y="5664154"/>
+            <a:ext cx="5715196" cy="589342"/>
+          </a:xfrm>
+          <a:prstGeom prst="rect">
+            <a:avLst/>
+          </a:prstGeom>
+          <a:solidFill>
+            <a:srgbClr val="FFA07A">
+              <a:alpha val="29020"/>
+            </a:srgbClr>
+          </a:solidFill>
+          <a:ln>
+            <a:noFill/>
+          </a:ln>
+        </p:spPr>
+        <p:style>
+          <a:lnRef idx="2">
+            <a:schemeClr val="accent6">
+              <a:shade val="15000"/>
+            </a:schemeClr>
+          </a:lnRef>
+          <a:fillRef idx="1">
+            <a:schemeClr val="accent6"/>
+          </a:fillRef>
+          <a:effectRef idx="0">
+            <a:schemeClr val="accent6"/>
+          </a:effectRef>
+          <a:fontRef idx="minor">
+            <a:schemeClr val="lt1"/>
+          </a:fontRef>
+        </p:style>
+        <p:txBody>
+          <a:bodyPr rtlCol="0" anchor="ctr"/>
+          <a:lstStyle/>
+          <a:p>
+            <a:pPr algn="ctr"/>
+            <a:endParaRPr lang="fr-FR" dirty="0"/>
+          </a:p>
+        </p:txBody>
+      </p:sp>
+      <p:sp>
+        <p:nvSpPr>
+          <p:cNvPr id="85" name="Rectangle 84">
+            <a:extLst>
+              <a:ext uri="{FF2B5EF4-FFF2-40B4-BE49-F238E27FC236}">
+                <a16:creationId xmlns:a16="http://schemas.microsoft.com/office/drawing/2014/main" id="{9FB33E3F-A98F-B226-01DD-55F8A94D2EA5}"/>
+              </a:ext>
+            </a:extLst>
+          </p:cNvPr>
+          <p:cNvSpPr/>
+          <p:nvPr/>
+        </p:nvSpPr>
+        <p:spPr>
+          <a:xfrm>
+            <a:off x="1782417" y="2252729"/>
+            <a:ext cx="5715196" cy="3420662"/>
+          </a:xfrm>
+          <a:prstGeom prst="rect">
+            <a:avLst/>
+          </a:prstGeom>
+          <a:solidFill>
+            <a:srgbClr val="E4B39E">
+              <a:alpha val="29020"/>
+            </a:srgbClr>
+          </a:solidFill>
+          <a:ln>
+            <a:noFill/>
+          </a:ln>
+        </p:spPr>
+        <p:style>
+          <a:lnRef idx="2">
+            <a:schemeClr val="accent6">
+              <a:shade val="15000"/>
+            </a:schemeClr>
+          </a:lnRef>
+          <a:fillRef idx="1">
+            <a:schemeClr val="accent6"/>
+          </a:fillRef>
+          <a:effectRef idx="0">
+            <a:schemeClr val="accent6"/>
+          </a:effectRef>
+          <a:fontRef idx="minor">
+            <a:schemeClr val="lt1"/>
+          </a:fontRef>
+        </p:style>
+        <p:txBody>
+          <a:bodyPr rtlCol="0" anchor="ctr"/>
+          <a:lstStyle/>
+          <a:p>
+            <a:pPr algn="ctr"/>
+            <a:endParaRPr lang="fr-FR" dirty="0"/>
+          </a:p>
+        </p:txBody>
+      </p:sp>
+      <p:sp>
+        <p:nvSpPr>
+          <p:cNvPr id="84" name="Rectangle 83">
+            <a:extLst>
+              <a:ext uri="{FF2B5EF4-FFF2-40B4-BE49-F238E27FC236}">
+                <a16:creationId xmlns:a16="http://schemas.microsoft.com/office/drawing/2014/main" id="{F4DA8CF7-30BB-B999-0758-B436C0547959}"/>
+              </a:ext>
+            </a:extLst>
+          </p:cNvPr>
+          <p:cNvSpPr/>
+          <p:nvPr/>
+        </p:nvSpPr>
+        <p:spPr>
+          <a:xfrm>
+            <a:off x="1782417" y="1245950"/>
+            <a:ext cx="5715196" cy="1006405"/>
+          </a:xfrm>
+          <a:prstGeom prst="rect">
+            <a:avLst/>
+          </a:prstGeom>
+          <a:solidFill>
+            <a:srgbClr val="C8C5C2">
+              <a:alpha val="29020"/>
+            </a:srgbClr>
+          </a:solidFill>
+          <a:ln>
+            <a:noFill/>
+          </a:ln>
+        </p:spPr>
+        <p:style>
+          <a:lnRef idx="2">
+            <a:schemeClr val="accent6">
+              <a:shade val="15000"/>
+            </a:schemeClr>
+          </a:lnRef>
+          <a:fillRef idx="1">
+            <a:schemeClr val="accent6"/>
+          </a:fillRef>
+          <a:effectRef idx="0">
+            <a:schemeClr val="accent6"/>
+          </a:effectRef>
+          <a:fontRef idx="minor">
+            <a:schemeClr val="lt1"/>
+          </a:fontRef>
+        </p:style>
+        <p:txBody>
+          <a:bodyPr rtlCol="0" anchor="ctr"/>
+          <a:lstStyle/>
+          <a:p>
+            <a:pPr algn="ctr"/>
+            <a:endParaRPr lang="fr-FR" dirty="0"/>
+          </a:p>
+        </p:txBody>
+      </p:sp>
+      <p:pic>
+        <p:nvPicPr>
+          <p:cNvPr id="5" name="Picture 4" descr="A hexagon with a map and icons&#10;&#10;Description automatically generated">
+            <a:extLst>
+              <a:ext uri="{FF2B5EF4-FFF2-40B4-BE49-F238E27FC236}">
+                <a16:creationId xmlns:a16="http://schemas.microsoft.com/office/drawing/2014/main" id="{B43908E6-A7D0-8375-4425-CDD0F85D3832}"/>
+              </a:ext>
+            </a:extLst>
+          </p:cNvPr>
+          <p:cNvPicPr>
+            <a:picLocks noChangeAspect="1"/>
+          </p:cNvPicPr>
+          <p:nvPr/>
+        </p:nvPicPr>
+        <p:blipFill>
+          <a:blip r:embed="rId2">
+            <a:extLst>
+              <a:ext uri="{28A0092B-C50C-407E-A947-70E740481C1C}">
+                <a14:useLocalDpi xmlns:a14="http://schemas.microsoft.com/office/drawing/2010/main" val="0"/>
+              </a:ext>
+            </a:extLst>
+          </a:blip>
+          <a:stretch>
+            <a:fillRect/>
+          </a:stretch>
+        </p:blipFill>
+        <p:spPr>
+          <a:xfrm>
+            <a:off x="3818495" y="1397386"/>
+            <a:ext cx="660668" cy="765253"/>
+          </a:xfrm>
+          <a:prstGeom prst="rect">
+            <a:avLst/>
+          </a:prstGeom>
+        </p:spPr>
+      </p:pic>
+      <p:sp>
+        <p:nvSpPr>
+          <p:cNvPr id="11" name="Right Brace 10">
+            <a:extLst>
+              <a:ext uri="{FF2B5EF4-FFF2-40B4-BE49-F238E27FC236}">
+                <a16:creationId xmlns:a16="http://schemas.microsoft.com/office/drawing/2014/main" id="{F47E96C2-E4FF-AE25-ADCC-BB81C497E3C0}"/>
+              </a:ext>
+            </a:extLst>
+          </p:cNvPr>
+          <p:cNvSpPr/>
+          <p:nvPr/>
+        </p:nvSpPr>
+        <p:spPr>
+          <a:xfrm rot="5400000">
+            <a:off x="4066003" y="515374"/>
+            <a:ext cx="165652" cy="1172817"/>
+          </a:xfrm>
+          <a:prstGeom prst="rightBrace">
+            <a:avLst/>
+          </a:prstGeom>
+        </p:spPr>
+        <p:style>
+          <a:lnRef idx="2">
+            <a:schemeClr val="accent1"/>
+          </a:lnRef>
+          <a:fillRef idx="0">
+            <a:schemeClr val="accent1"/>
+          </a:fillRef>
+          <a:effectRef idx="1">
+            <a:schemeClr val="accent1"/>
+          </a:effectRef>
+          <a:fontRef idx="minor">
+            <a:schemeClr val="tx1"/>
+          </a:fontRef>
+        </p:style>
+        <p:txBody>
+          <a:bodyPr rtlCol="0" anchor="ctr"/>
+          <a:lstStyle/>
+          <a:p>
+            <a:pPr algn="ctr"/>
+            <a:endParaRPr lang="fr-FR"/>
+          </a:p>
+        </p:txBody>
+      </p:sp>
+      <p:grpSp>
+        <p:nvGrpSpPr>
+          <p:cNvPr id="39" name="Group 38">
+            <a:extLst>
+              <a:ext uri="{FF2B5EF4-FFF2-40B4-BE49-F238E27FC236}">
+                <a16:creationId xmlns:a16="http://schemas.microsoft.com/office/drawing/2014/main" id="{E31A98A1-1FF0-2C97-72EF-171F33F23DC9}"/>
+              </a:ext>
+            </a:extLst>
+          </p:cNvPr>
+          <p:cNvGrpSpPr/>
+          <p:nvPr/>
+        </p:nvGrpSpPr>
+        <p:grpSpPr>
+          <a:xfrm>
+            <a:off x="3409003" y="540606"/>
+            <a:ext cx="1479653" cy="499832"/>
+            <a:chOff x="3409003" y="540606"/>
+            <a:chExt cx="1479653" cy="499832"/>
+          </a:xfrm>
+        </p:grpSpPr>
+        <p:sp>
+          <p:nvSpPr>
+            <p:cNvPr id="8" name="Flowchart: Magnetic Disk 7">
+              <a:extLst>
+                <a:ext uri="{FF2B5EF4-FFF2-40B4-BE49-F238E27FC236}">
+                  <a16:creationId xmlns:a16="http://schemas.microsoft.com/office/drawing/2014/main" id="{5C825C43-BD0F-0BF2-72B6-FB69DC467338}"/>
+                </a:ext>
+              </a:extLst>
+            </p:cNvPr>
+            <p:cNvSpPr/>
+            <p:nvPr/>
+          </p:nvSpPr>
+          <p:spPr>
+            <a:xfrm>
+              <a:off x="3409003" y="540608"/>
+              <a:ext cx="311573" cy="428411"/>
+            </a:xfrm>
+            <a:prstGeom prst="flowChartMagneticDisk">
+              <a:avLst/>
+            </a:prstGeom>
+            <a:solidFill>
+              <a:schemeClr val="accent1">
+                <a:lumMod val="60000"/>
+                <a:lumOff val="40000"/>
+              </a:schemeClr>
+            </a:solidFill>
+          </p:spPr>
+          <p:style>
+            <a:lnRef idx="2">
+              <a:schemeClr val="accent4">
+                <a:shade val="15000"/>
+              </a:schemeClr>
+            </a:lnRef>
+            <a:fillRef idx="1">
+              <a:schemeClr val="accent4"/>
+            </a:fillRef>
+            <a:effectRef idx="0">
+              <a:schemeClr val="accent4"/>
+            </a:effectRef>
+            <a:fontRef idx="minor">
+              <a:schemeClr val="lt1"/>
+            </a:fontRef>
+          </p:style>
+          <p:txBody>
+            <a:bodyPr rtlCol="0" anchor="ctr"/>
+            <a:lstStyle/>
+            <a:p>
+              <a:pPr algn="ctr"/>
+              <a:endParaRPr lang="fr-FR" dirty="0"/>
+            </a:p>
+          </p:txBody>
+        </p:sp>
+        <p:sp>
+          <p:nvSpPr>
+            <p:cNvPr id="9" name="Flowchart: Magnetic Disk 8">
+              <a:extLst>
+                <a:ext uri="{FF2B5EF4-FFF2-40B4-BE49-F238E27FC236}">
+                  <a16:creationId xmlns:a16="http://schemas.microsoft.com/office/drawing/2014/main" id="{E23F04F5-BD33-58A8-8962-FF3B4D399CD9}"/>
+                </a:ext>
+              </a:extLst>
+            </p:cNvPr>
+            <p:cNvSpPr/>
+            <p:nvPr/>
+          </p:nvSpPr>
+          <p:spPr>
+            <a:xfrm>
+              <a:off x="3802125" y="540607"/>
+              <a:ext cx="311573" cy="428411"/>
+            </a:xfrm>
+            <a:prstGeom prst="flowChartMagneticDisk">
+              <a:avLst/>
+            </a:prstGeom>
+            <a:solidFill>
+              <a:schemeClr val="accent1">
+                <a:lumMod val="60000"/>
+                <a:lumOff val="40000"/>
+              </a:schemeClr>
+            </a:solidFill>
+          </p:spPr>
+          <p:style>
+            <a:lnRef idx="2">
+              <a:schemeClr val="accent4">
+                <a:shade val="15000"/>
+              </a:schemeClr>
+            </a:lnRef>
+            <a:fillRef idx="1">
+              <a:schemeClr val="accent4"/>
+            </a:fillRef>
+            <a:effectRef idx="0">
+              <a:schemeClr val="accent4"/>
+            </a:effectRef>
+            <a:fontRef idx="minor">
+              <a:schemeClr val="lt1"/>
+            </a:fontRef>
+          </p:style>
+          <p:txBody>
+            <a:bodyPr rtlCol="0" anchor="ctr"/>
+            <a:lstStyle/>
+            <a:p>
+              <a:pPr algn="ctr"/>
+              <a:endParaRPr lang="fr-FR" dirty="0"/>
+            </a:p>
+          </p:txBody>
+        </p:sp>
+        <p:sp>
+          <p:nvSpPr>
+            <p:cNvPr id="10" name="Flowchart: Magnetic Disk 9">
+              <a:extLst>
+                <a:ext uri="{FF2B5EF4-FFF2-40B4-BE49-F238E27FC236}">
+                  <a16:creationId xmlns:a16="http://schemas.microsoft.com/office/drawing/2014/main" id="{FF29FF60-46C0-056E-8DC5-FC4947EEFCC1}"/>
+                </a:ext>
+              </a:extLst>
+            </p:cNvPr>
+            <p:cNvSpPr/>
+            <p:nvPr/>
+          </p:nvSpPr>
+          <p:spPr>
+            <a:xfrm>
+              <a:off x="4195247" y="540606"/>
+              <a:ext cx="311573" cy="428411"/>
+            </a:xfrm>
+            <a:prstGeom prst="flowChartMagneticDisk">
+              <a:avLst/>
+            </a:prstGeom>
+            <a:solidFill>
+              <a:schemeClr val="accent1">
+                <a:lumMod val="60000"/>
+                <a:lumOff val="40000"/>
+              </a:schemeClr>
+            </a:solidFill>
+          </p:spPr>
+          <p:style>
+            <a:lnRef idx="2">
+              <a:schemeClr val="accent4">
+                <a:shade val="15000"/>
+              </a:schemeClr>
+            </a:lnRef>
+            <a:fillRef idx="1">
+              <a:schemeClr val="accent4"/>
+            </a:fillRef>
+            <a:effectRef idx="0">
+              <a:schemeClr val="accent4"/>
+            </a:effectRef>
+            <a:fontRef idx="minor">
+              <a:schemeClr val="lt1"/>
+            </a:fontRef>
+          </p:style>
+          <p:txBody>
+            <a:bodyPr rtlCol="0" anchor="ctr"/>
+            <a:lstStyle/>
+            <a:p>
+              <a:pPr algn="ctr"/>
+              <a:endParaRPr lang="fr-FR" dirty="0"/>
+            </a:p>
+          </p:txBody>
+        </p:sp>
+        <p:sp>
+          <p:nvSpPr>
+            <p:cNvPr id="12" name="TextBox 11">
+              <a:extLst>
+                <a:ext uri="{FF2B5EF4-FFF2-40B4-BE49-F238E27FC236}">
+                  <a16:creationId xmlns:a16="http://schemas.microsoft.com/office/drawing/2014/main" id="{BFA2EF51-5CEF-5DCC-BA7C-4007EDB0B7F7}"/>
+                </a:ext>
+              </a:extLst>
+            </p:cNvPr>
+            <p:cNvSpPr txBox="1"/>
+            <p:nvPr/>
+          </p:nvSpPr>
+          <p:spPr>
+            <a:xfrm>
+              <a:off x="4506820" y="671106"/>
+              <a:ext cx="381836" cy="369332"/>
+            </a:xfrm>
+            <a:prstGeom prst="rect">
+              <a:avLst/>
+            </a:prstGeom>
+            <a:noFill/>
+          </p:spPr>
+          <p:txBody>
+            <a:bodyPr wrap="none" rtlCol="0">
+              <a:spAutoFit/>
+            </a:bodyPr>
+            <a:lstStyle/>
+            <a:p>
+              <a:r>
+                <a:rPr lang="en-GB" dirty="0"/>
+                <a:t>...</a:t>
+              </a:r>
+              <a:endParaRPr lang="fr-FR" dirty="0"/>
+            </a:p>
+          </p:txBody>
+        </p:sp>
+      </p:grpSp>
+      <p:sp>
+        <p:nvSpPr>
+          <p:cNvPr id="13" name="TextBox 12">
+            <a:extLst>
+              <a:ext uri="{FF2B5EF4-FFF2-40B4-BE49-F238E27FC236}">
+                <a16:creationId xmlns:a16="http://schemas.microsoft.com/office/drawing/2014/main" id="{2D87B5A3-B427-92BD-B890-753E8117FFD9}"/>
+              </a:ext>
+            </a:extLst>
+          </p:cNvPr>
+          <p:cNvSpPr txBox="1"/>
+          <p:nvPr/>
+        </p:nvSpPr>
+        <p:spPr>
+          <a:xfrm>
+            <a:off x="1996345" y="3304195"/>
+            <a:ext cx="1617751" cy="646331"/>
+          </a:xfrm>
+          <a:prstGeom prst="rect">
+            <a:avLst/>
+          </a:prstGeom>
+          <a:noFill/>
+        </p:spPr>
+        <p:txBody>
+          <a:bodyPr wrap="none" rtlCol="0">
+            <a:spAutoFit/>
+          </a:bodyPr>
+          <a:lstStyle/>
+          <a:p>
+            <a:r>
+              <a:rPr lang="en-GB" dirty="0" err="1"/>
+              <a:t>standarisation</a:t>
+            </a:r>
+            <a:endParaRPr lang="en-GB" dirty="0"/>
+          </a:p>
+          <a:p>
+            <a:r>
+              <a:rPr lang="en-GB" dirty="0"/>
+              <a:t>filters</a:t>
+            </a:r>
+            <a:endParaRPr lang="fr-FR" dirty="0"/>
+          </a:p>
+        </p:txBody>
+      </p:sp>
+      <p:sp>
+        <p:nvSpPr>
+          <p:cNvPr id="17" name="TextBox 16">
+            <a:extLst>
+              <a:ext uri="{FF2B5EF4-FFF2-40B4-BE49-F238E27FC236}">
+                <a16:creationId xmlns:a16="http://schemas.microsoft.com/office/drawing/2014/main" id="{8A76EB32-3854-C32D-C044-988C518C80BE}"/>
+              </a:ext>
+            </a:extLst>
+          </p:cNvPr>
+          <p:cNvSpPr txBox="1"/>
+          <p:nvPr/>
+        </p:nvSpPr>
+        <p:spPr>
+          <a:xfrm>
+            <a:off x="3818495" y="2525954"/>
+            <a:ext cx="660668" cy="523220"/>
+          </a:xfrm>
+          <a:prstGeom prst="rect">
+            <a:avLst/>
+          </a:prstGeom>
+          <a:noFill/>
+        </p:spPr>
+        <p:txBody>
+          <a:bodyPr wrap="square">
+            <a:spAutoFit/>
+          </a:bodyPr>
+          <a:lstStyle/>
+          <a:p>
+            <a:r>
+              <a:rPr lang="fr-FR" sz="2800" dirty="0"/>
+              <a:t>🕒</a:t>
+            </a:r>
+          </a:p>
+        </p:txBody>
+      </p:sp>
+      <p:sp>
+        <p:nvSpPr>
+          <p:cNvPr id="19" name="TextBox 18">
+            <a:extLst>
+              <a:ext uri="{FF2B5EF4-FFF2-40B4-BE49-F238E27FC236}">
+                <a16:creationId xmlns:a16="http://schemas.microsoft.com/office/drawing/2014/main" id="{78FB0097-6E60-3F53-582D-A281FB60DD67}"/>
+              </a:ext>
+            </a:extLst>
+          </p:cNvPr>
+          <p:cNvSpPr txBox="1"/>
+          <p:nvPr/>
+        </p:nvSpPr>
+        <p:spPr>
+          <a:xfrm>
+            <a:off x="3774909" y="3230224"/>
+            <a:ext cx="747841" cy="523220"/>
+          </a:xfrm>
+          <a:prstGeom prst="rect">
+            <a:avLst/>
+          </a:prstGeom>
+          <a:noFill/>
+        </p:spPr>
+        <p:txBody>
+          <a:bodyPr wrap="square">
+            <a:spAutoFit/>
+          </a:bodyPr>
+          <a:lstStyle/>
+          <a:p>
+            <a:r>
+              <a:rPr lang="fr-FR" sz="2800" dirty="0"/>
+              <a:t>🗺️</a:t>
+            </a:r>
+          </a:p>
+        </p:txBody>
+      </p:sp>
+      <p:sp>
+        <p:nvSpPr>
+          <p:cNvPr id="20" name="TextBox 19">
+            <a:extLst>
+              <a:ext uri="{FF2B5EF4-FFF2-40B4-BE49-F238E27FC236}">
+                <a16:creationId xmlns:a16="http://schemas.microsoft.com/office/drawing/2014/main" id="{BE218D16-82C6-8CF1-F43D-835D24F48D24}"/>
+              </a:ext>
+            </a:extLst>
+          </p:cNvPr>
+          <p:cNvSpPr txBox="1"/>
+          <p:nvPr/>
+        </p:nvSpPr>
+        <p:spPr>
+          <a:xfrm>
+            <a:off x="4697738" y="2635090"/>
+            <a:ext cx="2680542" cy="338554"/>
+          </a:xfrm>
+          <a:prstGeom prst="rect">
+            <a:avLst/>
+          </a:prstGeom>
+          <a:noFill/>
+        </p:spPr>
+        <p:txBody>
+          <a:bodyPr wrap="none" rtlCol="0">
+            <a:spAutoFit/>
+          </a:bodyPr>
+          <a:lstStyle/>
+          <a:p>
+            <a:r>
+              <a:rPr lang="en-GB" sz="1600" dirty="0">
+                <a:latin typeface="Consolas" panose="020B0609020204030204" pitchFamily="49" charset="0"/>
+                <a:cs typeface="Courier New" panose="02070309020205020404" pitchFamily="49" charset="0"/>
+              </a:rPr>
+              <a:t>is.within </a:t>
+            </a:r>
+            <a:r>
+              <a:rPr lang="en-GB" sz="1600" dirty="0"/>
+              <a:t>selected period</a:t>
+            </a:r>
+            <a:endParaRPr lang="fr-FR" sz="1600" dirty="0"/>
+          </a:p>
+        </p:txBody>
+      </p:sp>
+      <p:sp>
+        <p:nvSpPr>
+          <p:cNvPr id="21" name="TextBox 20">
+            <a:extLst>
+              <a:ext uri="{FF2B5EF4-FFF2-40B4-BE49-F238E27FC236}">
+                <a16:creationId xmlns:a16="http://schemas.microsoft.com/office/drawing/2014/main" id="{6DA13F05-BEA9-A36F-C42A-870E35FB060A}"/>
+              </a:ext>
+            </a:extLst>
+          </p:cNvPr>
+          <p:cNvSpPr txBox="1"/>
+          <p:nvPr/>
+        </p:nvSpPr>
+        <p:spPr>
+          <a:xfrm>
+            <a:off x="4697738" y="3317000"/>
+            <a:ext cx="2501967" cy="338554"/>
+          </a:xfrm>
+          <a:prstGeom prst="rect">
+            <a:avLst/>
+          </a:prstGeom>
+          <a:noFill/>
+        </p:spPr>
+        <p:txBody>
+          <a:bodyPr wrap="none" rtlCol="0">
+            <a:spAutoFit/>
+          </a:bodyPr>
+          <a:lstStyle/>
+          <a:p>
+            <a:r>
+              <a:rPr lang="en-GB" sz="1600" dirty="0">
+                <a:latin typeface="Consolas" panose="020B0609020204030204" pitchFamily="49" charset="0"/>
+              </a:rPr>
+              <a:t>is.within </a:t>
+            </a:r>
+            <a:r>
+              <a:rPr lang="en-GB" sz="1600" dirty="0"/>
+              <a:t>selected area</a:t>
+            </a:r>
+            <a:endParaRPr lang="fr-FR" sz="1600" dirty="0"/>
+          </a:p>
+        </p:txBody>
+      </p:sp>
+      <p:sp>
+        <p:nvSpPr>
+          <p:cNvPr id="22" name="Flowchart: Internal Storage 21">
+            <a:extLst>
+              <a:ext uri="{FF2B5EF4-FFF2-40B4-BE49-F238E27FC236}">
+                <a16:creationId xmlns:a16="http://schemas.microsoft.com/office/drawing/2014/main" id="{7C1E9938-4FF5-580B-A93C-B13C3FE783D6}"/>
+              </a:ext>
+            </a:extLst>
+          </p:cNvPr>
+          <p:cNvSpPr/>
+          <p:nvPr/>
+        </p:nvSpPr>
+        <p:spPr>
+          <a:xfrm>
+            <a:off x="3948570" y="3974251"/>
+            <a:ext cx="400518" cy="346363"/>
+          </a:xfrm>
+          <a:prstGeom prst="flowChartInternalStorage">
+            <a:avLst/>
+          </a:prstGeom>
+          <a:solidFill>
+            <a:schemeClr val="tx2">
+              <a:lumMod val="50000"/>
+              <a:lumOff val="50000"/>
+            </a:schemeClr>
+          </a:solidFill>
+        </p:spPr>
+        <p:style>
+          <a:lnRef idx="2">
+            <a:schemeClr val="accent4">
+              <a:shade val="15000"/>
+            </a:schemeClr>
+          </a:lnRef>
+          <a:fillRef idx="1">
+            <a:schemeClr val="accent4"/>
+          </a:fillRef>
+          <a:effectRef idx="0">
+            <a:schemeClr val="accent4"/>
+          </a:effectRef>
+          <a:fontRef idx="minor">
+            <a:schemeClr val="lt1"/>
+          </a:fontRef>
+        </p:style>
+        <p:txBody>
+          <a:bodyPr rtlCol="0" anchor="ctr"/>
+          <a:lstStyle/>
+          <a:p>
+            <a:pPr algn="ctr"/>
+            <a:endParaRPr lang="fr-FR"/>
+          </a:p>
+        </p:txBody>
+      </p:sp>
+      <p:sp>
+        <p:nvSpPr>
+          <p:cNvPr id="23" name="TextBox 22">
+            <a:extLst>
+              <a:ext uri="{FF2B5EF4-FFF2-40B4-BE49-F238E27FC236}">
+                <a16:creationId xmlns:a16="http://schemas.microsoft.com/office/drawing/2014/main" id="{C6D5D8BB-9A64-5EEF-4DBD-3F12A3DABEFD}"/>
+              </a:ext>
+            </a:extLst>
+          </p:cNvPr>
+          <p:cNvSpPr txBox="1"/>
+          <p:nvPr/>
+        </p:nvSpPr>
+        <p:spPr>
+          <a:xfrm>
+            <a:off x="4697738" y="3980778"/>
+            <a:ext cx="2518638" cy="338554"/>
+          </a:xfrm>
+          <a:prstGeom prst="rect">
+            <a:avLst/>
+          </a:prstGeom>
+          <a:noFill/>
+        </p:spPr>
+        <p:txBody>
+          <a:bodyPr wrap="none" rtlCol="0">
+            <a:spAutoFit/>
+          </a:bodyPr>
+          <a:lstStyle/>
+          <a:p>
+            <a:r>
+              <a:rPr lang="en-GB" sz="1600" dirty="0">
+                <a:latin typeface="Consolas" panose="020B0609020204030204" pitchFamily="49" charset="0"/>
+              </a:rPr>
+              <a:t>has.a</a:t>
+            </a:r>
+            <a:r>
+              <a:rPr lang="en-GB" sz="1600" dirty="0"/>
+              <a:t>              NeoNet class</a:t>
+            </a:r>
+            <a:endParaRPr lang="fr-FR" sz="1600" dirty="0"/>
+          </a:p>
+        </p:txBody>
+      </p:sp>
+      <p:sp>
+        <p:nvSpPr>
+          <p:cNvPr id="24" name="Flowchart: Internal Storage 23">
+            <a:extLst>
+              <a:ext uri="{FF2B5EF4-FFF2-40B4-BE49-F238E27FC236}">
+                <a16:creationId xmlns:a16="http://schemas.microsoft.com/office/drawing/2014/main" id="{090CC040-BD26-95FF-0DC7-86B5BBDF753B}"/>
+              </a:ext>
+            </a:extLst>
+          </p:cNvPr>
+          <p:cNvSpPr/>
+          <p:nvPr/>
+        </p:nvSpPr>
+        <p:spPr>
+          <a:xfrm>
+            <a:off x="3938461" y="4532484"/>
+            <a:ext cx="420737" cy="363848"/>
+          </a:xfrm>
+          <a:prstGeom prst="flowChartInternalStorage">
+            <a:avLst/>
+          </a:prstGeom>
+          <a:solidFill>
+            <a:schemeClr val="tx2">
+              <a:lumMod val="50000"/>
+              <a:lumOff val="50000"/>
+            </a:schemeClr>
+          </a:solidFill>
+        </p:spPr>
+        <p:style>
+          <a:lnRef idx="2">
+            <a:schemeClr val="accent4">
+              <a:shade val="15000"/>
+            </a:schemeClr>
+          </a:lnRef>
+          <a:fillRef idx="1">
+            <a:schemeClr val="accent4"/>
+          </a:fillRef>
+          <a:effectRef idx="0">
+            <a:schemeClr val="accent4"/>
+          </a:effectRef>
+          <a:fontRef idx="minor">
+            <a:schemeClr val="lt1"/>
+          </a:fontRef>
+        </p:style>
+        <p:txBody>
+          <a:bodyPr rtlCol="0" anchor="ctr"/>
+          <a:lstStyle/>
+          <a:p>
+            <a:pPr algn="ctr"/>
+            <a:endParaRPr lang="fr-FR"/>
+          </a:p>
+        </p:txBody>
+      </p:sp>
+      <p:sp>
+        <p:nvSpPr>
+          <p:cNvPr id="25" name="TextBox 24">
+            <a:extLst>
+              <a:ext uri="{FF2B5EF4-FFF2-40B4-BE49-F238E27FC236}">
+                <a16:creationId xmlns:a16="http://schemas.microsoft.com/office/drawing/2014/main" id="{896315DA-72DA-A582-32A3-EDAA62070E5F}"/>
+              </a:ext>
+            </a:extLst>
+          </p:cNvPr>
+          <p:cNvSpPr txBox="1"/>
+          <p:nvPr/>
+        </p:nvSpPr>
+        <p:spPr>
+          <a:xfrm>
+            <a:off x="4697738" y="4529742"/>
+            <a:ext cx="2606804" cy="338554"/>
+          </a:xfrm>
+          <a:prstGeom prst="rect">
+            <a:avLst/>
+          </a:prstGeom>
+          <a:noFill/>
+        </p:spPr>
+        <p:txBody>
+          <a:bodyPr wrap="none" rtlCol="0">
+            <a:spAutoFit/>
+          </a:bodyPr>
+          <a:lstStyle/>
+          <a:p>
+            <a:r>
+              <a:rPr lang="en-GB" sz="1600" dirty="0">
+                <a:latin typeface="Consolas" panose="020B0609020204030204" pitchFamily="49" charset="0"/>
+              </a:rPr>
+              <a:t>is.not.in </a:t>
+            </a:r>
+            <a:r>
+              <a:rPr lang="en-GB" sz="1600" dirty="0"/>
+              <a:t>Aberrant dates</a:t>
+            </a:r>
+            <a:endParaRPr lang="fr-FR" sz="1600" dirty="0"/>
+          </a:p>
+        </p:txBody>
+      </p:sp>
+      <p:sp>
+        <p:nvSpPr>
+          <p:cNvPr id="26" name="Flowchart: Internal Storage 25">
+            <a:extLst>
+              <a:ext uri="{FF2B5EF4-FFF2-40B4-BE49-F238E27FC236}">
+                <a16:creationId xmlns:a16="http://schemas.microsoft.com/office/drawing/2014/main" id="{932018C7-0EEA-8FCD-35C1-3DB03AF8EB69}"/>
+              </a:ext>
+            </a:extLst>
+          </p:cNvPr>
+          <p:cNvSpPr/>
+          <p:nvPr/>
+        </p:nvSpPr>
+        <p:spPr>
+          <a:xfrm>
+            <a:off x="3938461" y="5813020"/>
+            <a:ext cx="420737" cy="363848"/>
+          </a:xfrm>
+          <a:prstGeom prst="flowChartInternalStorage">
+            <a:avLst/>
+          </a:prstGeom>
+          <a:solidFill>
+            <a:schemeClr val="accent1">
+              <a:lumMod val="20000"/>
+              <a:lumOff val="80000"/>
+            </a:schemeClr>
+          </a:solidFill>
+        </p:spPr>
+        <p:style>
+          <a:lnRef idx="2">
+            <a:schemeClr val="accent4">
+              <a:shade val="15000"/>
+            </a:schemeClr>
+          </a:lnRef>
+          <a:fillRef idx="1">
+            <a:schemeClr val="accent4"/>
+          </a:fillRef>
+          <a:effectRef idx="0">
+            <a:schemeClr val="accent4"/>
+          </a:effectRef>
+          <a:fontRef idx="minor">
+            <a:schemeClr val="lt1"/>
+          </a:fontRef>
+        </p:style>
+        <p:txBody>
+          <a:bodyPr rtlCol="0" anchor="ctr"/>
+          <a:lstStyle/>
+          <a:p>
+            <a:pPr algn="ctr"/>
+            <a:endParaRPr lang="fr-FR" dirty="0"/>
+          </a:p>
+        </p:txBody>
+      </p:sp>
+      <p:cxnSp>
+        <p:nvCxnSpPr>
+          <p:cNvPr id="30" name="Straight Arrow Connector 29">
+            <a:extLst>
+              <a:ext uri="{FF2B5EF4-FFF2-40B4-BE49-F238E27FC236}">
+                <a16:creationId xmlns:a16="http://schemas.microsoft.com/office/drawing/2014/main" id="{864EC300-267A-D3C7-9236-81C058D74E39}"/>
+              </a:ext>
+            </a:extLst>
+          </p:cNvPr>
+          <p:cNvCxnSpPr>
+            <a:cxnSpLocks/>
+            <a:stCxn id="17" idx="2"/>
+            <a:endCxn id="19" idx="0"/>
+          </p:cNvCxnSpPr>
+          <p:nvPr/>
+        </p:nvCxnSpPr>
+        <p:spPr>
+          <a:xfrm>
+            <a:off x="4148829" y="3049174"/>
+            <a:ext cx="1" cy="181050"/>
+          </a:xfrm>
+          <a:prstGeom prst="straightConnector1">
+            <a:avLst/>
+          </a:prstGeom>
+          <a:ln>
+            <a:tailEnd type="triangle"/>
+          </a:ln>
+        </p:spPr>
+        <p:style>
+          <a:lnRef idx="2">
+            <a:schemeClr val="accent1"/>
+          </a:lnRef>
+          <a:fillRef idx="0">
+            <a:schemeClr val="accent1"/>
+          </a:fillRef>
+          <a:effectRef idx="1">
+            <a:schemeClr val="accent1"/>
+          </a:effectRef>
+          <a:fontRef idx="minor">
+            <a:schemeClr val="tx1"/>
+          </a:fontRef>
+        </p:style>
+      </p:cxnSp>
+      <p:cxnSp>
+        <p:nvCxnSpPr>
+          <p:cNvPr id="32" name="Straight Arrow Connector 31">
+            <a:extLst>
+              <a:ext uri="{FF2B5EF4-FFF2-40B4-BE49-F238E27FC236}">
+                <a16:creationId xmlns:a16="http://schemas.microsoft.com/office/drawing/2014/main" id="{27F95682-90E4-AA13-8FEC-AA8F65A0DB51}"/>
+              </a:ext>
+            </a:extLst>
+          </p:cNvPr>
+          <p:cNvCxnSpPr>
+            <a:cxnSpLocks/>
+            <a:stCxn id="19" idx="2"/>
+            <a:endCxn id="22" idx="0"/>
+          </p:cNvCxnSpPr>
+          <p:nvPr/>
+        </p:nvCxnSpPr>
+        <p:spPr>
+          <a:xfrm flipH="1">
+            <a:off x="4148829" y="3753444"/>
+            <a:ext cx="1" cy="220807"/>
+          </a:xfrm>
+          <a:prstGeom prst="straightConnector1">
+            <a:avLst/>
+          </a:prstGeom>
+          <a:ln>
+            <a:tailEnd type="triangle"/>
+          </a:ln>
+        </p:spPr>
+        <p:style>
+          <a:lnRef idx="2">
+            <a:schemeClr val="accent1"/>
+          </a:lnRef>
+          <a:fillRef idx="0">
+            <a:schemeClr val="accent1"/>
+          </a:fillRef>
+          <a:effectRef idx="1">
+            <a:schemeClr val="accent1"/>
+          </a:effectRef>
+          <a:fontRef idx="minor">
+            <a:schemeClr val="tx1"/>
+          </a:fontRef>
+        </p:style>
+      </p:cxnSp>
+      <p:cxnSp>
+        <p:nvCxnSpPr>
+          <p:cNvPr id="34" name="Straight Arrow Connector 33">
+            <a:extLst>
+              <a:ext uri="{FF2B5EF4-FFF2-40B4-BE49-F238E27FC236}">
+                <a16:creationId xmlns:a16="http://schemas.microsoft.com/office/drawing/2014/main" id="{2CAB3755-E770-AD64-F5AB-58A8C263E761}"/>
+              </a:ext>
+            </a:extLst>
+          </p:cNvPr>
+          <p:cNvCxnSpPr>
+            <a:cxnSpLocks/>
+            <a:stCxn id="22" idx="2"/>
+            <a:endCxn id="24" idx="0"/>
+          </p:cNvCxnSpPr>
+          <p:nvPr/>
+        </p:nvCxnSpPr>
+        <p:spPr>
+          <a:xfrm>
+            <a:off x="4148829" y="4320614"/>
+            <a:ext cx="1" cy="211870"/>
+          </a:xfrm>
+          <a:prstGeom prst="straightConnector1">
+            <a:avLst/>
+          </a:prstGeom>
+          <a:ln>
+            <a:tailEnd type="triangle"/>
+          </a:ln>
+        </p:spPr>
+        <p:style>
+          <a:lnRef idx="2">
+            <a:schemeClr val="accent1"/>
+          </a:lnRef>
+          <a:fillRef idx="0">
+            <a:schemeClr val="accent1"/>
+          </a:fillRef>
+          <a:effectRef idx="1">
+            <a:schemeClr val="accent1"/>
+          </a:effectRef>
+          <a:fontRef idx="minor">
+            <a:schemeClr val="tx1"/>
+          </a:fontRef>
+        </p:style>
+      </p:cxnSp>
+      <p:cxnSp>
+        <p:nvCxnSpPr>
+          <p:cNvPr id="36" name="Straight Arrow Connector 35">
+            <a:extLst>
+              <a:ext uri="{FF2B5EF4-FFF2-40B4-BE49-F238E27FC236}">
+                <a16:creationId xmlns:a16="http://schemas.microsoft.com/office/drawing/2014/main" id="{FDBE8642-C52D-CB14-CBF0-7F5FECB9F843}"/>
+              </a:ext>
+            </a:extLst>
+          </p:cNvPr>
+          <p:cNvCxnSpPr>
+            <a:cxnSpLocks/>
+            <a:stCxn id="24" idx="2"/>
+            <a:endCxn id="2" idx="0"/>
+          </p:cNvCxnSpPr>
+          <p:nvPr/>
+        </p:nvCxnSpPr>
+        <p:spPr>
+          <a:xfrm>
+            <a:off x="4148830" y="4896332"/>
+            <a:ext cx="0" cy="139519"/>
+          </a:xfrm>
+          <a:prstGeom prst="straightConnector1">
+            <a:avLst/>
+          </a:prstGeom>
+          <a:ln>
+            <a:tailEnd type="triangle"/>
+          </a:ln>
+        </p:spPr>
+        <p:style>
+          <a:lnRef idx="2">
+            <a:schemeClr val="accent1"/>
+          </a:lnRef>
+          <a:fillRef idx="0">
+            <a:schemeClr val="accent1"/>
+          </a:fillRef>
+          <a:effectRef idx="1">
+            <a:schemeClr val="accent1"/>
+          </a:effectRef>
+          <a:fontRef idx="minor">
+            <a:schemeClr val="tx1"/>
+          </a:fontRef>
+        </p:style>
+      </p:cxnSp>
+      <p:cxnSp>
+        <p:nvCxnSpPr>
+          <p:cNvPr id="38" name="Straight Arrow Connector 37">
+            <a:extLst>
+              <a:ext uri="{FF2B5EF4-FFF2-40B4-BE49-F238E27FC236}">
+                <a16:creationId xmlns:a16="http://schemas.microsoft.com/office/drawing/2014/main" id="{342A2B19-5B2D-517E-1A19-DDEDA6006AAD}"/>
+              </a:ext>
+            </a:extLst>
+          </p:cNvPr>
+          <p:cNvCxnSpPr>
+            <a:cxnSpLocks/>
+            <a:stCxn id="11" idx="1"/>
+            <a:endCxn id="5" idx="0"/>
+          </p:cNvCxnSpPr>
+          <p:nvPr/>
+        </p:nvCxnSpPr>
+        <p:spPr>
+          <a:xfrm>
+            <a:off x="4148829" y="1184609"/>
+            <a:ext cx="0" cy="212777"/>
+          </a:xfrm>
+          <a:prstGeom prst="straightConnector1">
+            <a:avLst/>
+          </a:prstGeom>
+          <a:ln>
+            <a:tailEnd type="triangle"/>
+          </a:ln>
+        </p:spPr>
+        <p:style>
+          <a:lnRef idx="2">
+            <a:schemeClr val="accent1"/>
+          </a:lnRef>
+          <a:fillRef idx="0">
+            <a:schemeClr val="accent1"/>
+          </a:fillRef>
+          <a:effectRef idx="1">
+            <a:schemeClr val="accent1"/>
+          </a:effectRef>
+          <a:fontRef idx="minor">
+            <a:schemeClr val="tx1"/>
+          </a:fontRef>
+        </p:style>
+      </p:cxnSp>
+      <p:cxnSp>
+        <p:nvCxnSpPr>
+          <p:cNvPr id="46" name="Straight Arrow Connector 45">
+            <a:extLst>
+              <a:ext uri="{FF2B5EF4-FFF2-40B4-BE49-F238E27FC236}">
+                <a16:creationId xmlns:a16="http://schemas.microsoft.com/office/drawing/2014/main" id="{B9F6CBB5-C25C-7047-D0B6-6F8CE34957FD}"/>
+              </a:ext>
+            </a:extLst>
+          </p:cNvPr>
+          <p:cNvCxnSpPr>
+            <a:cxnSpLocks/>
+            <a:stCxn id="5" idx="2"/>
+            <a:endCxn id="17" idx="0"/>
+          </p:cNvCxnSpPr>
+          <p:nvPr/>
+        </p:nvCxnSpPr>
+        <p:spPr>
+          <a:xfrm>
+            <a:off x="4148829" y="2162639"/>
+            <a:ext cx="0" cy="363315"/>
+          </a:xfrm>
+          <a:prstGeom prst="straightConnector1">
+            <a:avLst/>
+          </a:prstGeom>
+          <a:ln>
+            <a:tailEnd type="triangle"/>
+          </a:ln>
+        </p:spPr>
+        <p:style>
+          <a:lnRef idx="2">
+            <a:schemeClr val="accent1"/>
+          </a:lnRef>
+          <a:fillRef idx="0">
+            <a:schemeClr val="accent1"/>
+          </a:fillRef>
+          <a:effectRef idx="1">
+            <a:schemeClr val="accent1"/>
+          </a:effectRef>
+          <a:fontRef idx="minor">
+            <a:schemeClr val="tx1"/>
+          </a:fontRef>
+        </p:style>
+      </p:cxnSp>
+      <p:sp>
+        <p:nvSpPr>
+          <p:cNvPr id="86" name="TextBox 85">
+            <a:extLst>
+              <a:ext uri="{FF2B5EF4-FFF2-40B4-BE49-F238E27FC236}">
+                <a16:creationId xmlns:a16="http://schemas.microsoft.com/office/drawing/2014/main" id="{AC5AC2DC-5BA0-5231-9105-F7DA70F89267}"/>
+              </a:ext>
+            </a:extLst>
+          </p:cNvPr>
+          <p:cNvSpPr txBox="1"/>
+          <p:nvPr/>
+        </p:nvSpPr>
+        <p:spPr>
+          <a:xfrm>
+            <a:off x="1996345" y="1564486"/>
+            <a:ext cx="869149" cy="369332"/>
+          </a:xfrm>
+          <a:prstGeom prst="rect">
+            <a:avLst/>
+          </a:prstGeom>
+          <a:noFill/>
+        </p:spPr>
+        <p:txBody>
+          <a:bodyPr wrap="none" rtlCol="0">
+            <a:spAutoFit/>
+          </a:bodyPr>
+          <a:lstStyle/>
+          <a:p>
+            <a:r>
+              <a:rPr lang="en-GB" dirty="0"/>
+              <a:t>collect</a:t>
+            </a:r>
+            <a:endParaRPr lang="fr-FR" dirty="0"/>
+          </a:p>
+        </p:txBody>
+      </p:sp>
+      <p:sp>
+        <p:nvSpPr>
+          <p:cNvPr id="88" name="TextBox 87">
+            <a:extLst>
+              <a:ext uri="{FF2B5EF4-FFF2-40B4-BE49-F238E27FC236}">
+                <a16:creationId xmlns:a16="http://schemas.microsoft.com/office/drawing/2014/main" id="{76080CDC-718C-DB56-3DEA-151C5038F56B}"/>
+              </a:ext>
+            </a:extLst>
+          </p:cNvPr>
+          <p:cNvSpPr txBox="1"/>
+          <p:nvPr/>
+        </p:nvSpPr>
+        <p:spPr>
+          <a:xfrm>
+            <a:off x="1996345" y="412875"/>
+            <a:ext cx="1226618" cy="646331"/>
+          </a:xfrm>
+          <a:prstGeom prst="rect">
+            <a:avLst/>
+          </a:prstGeom>
+          <a:noFill/>
+        </p:spPr>
+        <p:txBody>
+          <a:bodyPr wrap="none" rtlCol="0">
+            <a:spAutoFit/>
+          </a:bodyPr>
+          <a:lstStyle/>
+          <a:p>
+            <a:r>
+              <a:rPr lang="en-GB" dirty="0"/>
+              <a:t>date</a:t>
+            </a:r>
+          </a:p>
+          <a:p>
+            <a:r>
+              <a:rPr lang="fr-FR" dirty="0" err="1"/>
+              <a:t>databases</a:t>
+            </a:r>
+            <a:endParaRPr lang="fr-FR" dirty="0"/>
+          </a:p>
+        </p:txBody>
+      </p:sp>
+      <p:sp>
+        <p:nvSpPr>
+          <p:cNvPr id="90" name="TextBox 89">
+            <a:extLst>
+              <a:ext uri="{FF2B5EF4-FFF2-40B4-BE49-F238E27FC236}">
+                <a16:creationId xmlns:a16="http://schemas.microsoft.com/office/drawing/2014/main" id="{8C29D081-998B-750A-0495-8B0C26F18D45}"/>
+              </a:ext>
+            </a:extLst>
+          </p:cNvPr>
+          <p:cNvSpPr txBox="1"/>
+          <p:nvPr/>
+        </p:nvSpPr>
+        <p:spPr>
+          <a:xfrm>
+            <a:off x="1942644" y="5774159"/>
+            <a:ext cx="848309" cy="369332"/>
+          </a:xfrm>
+          <a:prstGeom prst="rect">
+            <a:avLst/>
+          </a:prstGeom>
+          <a:noFill/>
+        </p:spPr>
+        <p:txBody>
+          <a:bodyPr wrap="none" rtlCol="0">
+            <a:spAutoFit/>
+          </a:bodyPr>
+          <a:lstStyle/>
+          <a:p>
+            <a:r>
+              <a:rPr lang="en-GB" dirty="0"/>
+              <a:t>output</a:t>
+            </a:r>
+            <a:endParaRPr lang="fr-FR" dirty="0"/>
+          </a:p>
+        </p:txBody>
+      </p:sp>
+      <p:sp>
+        <p:nvSpPr>
+          <p:cNvPr id="2" name="Flowchart: Internal Storage 1">
+            <a:extLst>
+              <a:ext uri="{FF2B5EF4-FFF2-40B4-BE49-F238E27FC236}">
+                <a16:creationId xmlns:a16="http://schemas.microsoft.com/office/drawing/2014/main" id="{90FB44E4-1D6B-B462-F0D8-85F0A7F4FB94}"/>
+              </a:ext>
+            </a:extLst>
+          </p:cNvPr>
+          <p:cNvSpPr/>
+          <p:nvPr/>
+        </p:nvSpPr>
+        <p:spPr>
+          <a:xfrm>
+            <a:off x="3938461" y="5035851"/>
+            <a:ext cx="420737" cy="363848"/>
+          </a:xfrm>
+          <a:prstGeom prst="flowChartInternalStorage">
+            <a:avLst/>
+          </a:prstGeom>
+          <a:solidFill>
+            <a:schemeClr val="tx2">
+              <a:lumMod val="50000"/>
+              <a:lumOff val="50000"/>
+            </a:schemeClr>
+          </a:solidFill>
+        </p:spPr>
+        <p:style>
+          <a:lnRef idx="2">
+            <a:schemeClr val="accent4">
+              <a:shade val="15000"/>
+            </a:schemeClr>
+          </a:lnRef>
+          <a:fillRef idx="1">
+            <a:schemeClr val="accent4"/>
+          </a:fillRef>
+          <a:effectRef idx="0">
+            <a:schemeClr val="accent4"/>
+          </a:effectRef>
+          <a:fontRef idx="minor">
+            <a:schemeClr val="lt1"/>
+          </a:fontRef>
+        </p:style>
+        <p:txBody>
+          <a:bodyPr rtlCol="0" anchor="ctr"/>
+          <a:lstStyle/>
+          <a:p>
+            <a:pPr algn="ctr"/>
+            <a:endParaRPr lang="fr-FR"/>
+          </a:p>
+        </p:txBody>
+      </p:sp>
+      <p:cxnSp>
+        <p:nvCxnSpPr>
+          <p:cNvPr id="4" name="Straight Arrow Connector 3">
+            <a:extLst>
+              <a:ext uri="{FF2B5EF4-FFF2-40B4-BE49-F238E27FC236}">
+                <a16:creationId xmlns:a16="http://schemas.microsoft.com/office/drawing/2014/main" id="{6201A22A-6C2E-A0E9-301D-6F5312A7F5DB}"/>
+              </a:ext>
+            </a:extLst>
+          </p:cNvPr>
+          <p:cNvCxnSpPr>
+            <a:cxnSpLocks/>
+            <a:stCxn id="2" idx="2"/>
+            <a:endCxn id="26" idx="0"/>
+          </p:cNvCxnSpPr>
+          <p:nvPr/>
+        </p:nvCxnSpPr>
+        <p:spPr>
+          <a:xfrm>
+            <a:off x="4148830" y="5399699"/>
+            <a:ext cx="0" cy="413321"/>
+          </a:xfrm>
+          <a:prstGeom prst="straightConnector1">
+            <a:avLst/>
+          </a:prstGeom>
+          <a:ln>
+            <a:tailEnd type="triangle"/>
+          </a:ln>
+        </p:spPr>
+        <p:style>
+          <a:lnRef idx="2">
+            <a:schemeClr val="accent1"/>
+          </a:lnRef>
+          <a:fillRef idx="0">
+            <a:schemeClr val="accent1"/>
+          </a:fillRef>
+          <a:effectRef idx="1">
+            <a:schemeClr val="accent1"/>
+          </a:effectRef>
+          <a:fontRef idx="minor">
+            <a:schemeClr val="tx1"/>
+          </a:fontRef>
+        </p:style>
+      </p:cxnSp>
+      <p:sp>
+        <p:nvSpPr>
+          <p:cNvPr id="16" name="TextBox 15">
+            <a:extLst>
+              <a:ext uri="{FF2B5EF4-FFF2-40B4-BE49-F238E27FC236}">
+                <a16:creationId xmlns:a16="http://schemas.microsoft.com/office/drawing/2014/main" id="{D2A51088-35F1-17A8-CD55-18DF0B7E6E66}"/>
+              </a:ext>
+            </a:extLst>
+          </p:cNvPr>
+          <p:cNvSpPr txBox="1"/>
+          <p:nvPr/>
+        </p:nvSpPr>
+        <p:spPr>
+          <a:xfrm>
+            <a:off x="4730187" y="5009782"/>
+            <a:ext cx="2603598" cy="338554"/>
+          </a:xfrm>
+          <a:prstGeom prst="rect">
+            <a:avLst/>
+          </a:prstGeom>
+          <a:noFill/>
+        </p:spPr>
+        <p:txBody>
+          <a:bodyPr wrap="none" rtlCol="0">
+            <a:spAutoFit/>
+          </a:bodyPr>
+          <a:lstStyle/>
+          <a:p>
+            <a:r>
+              <a:rPr lang="en-GB" sz="1600" dirty="0">
+                <a:latin typeface="Consolas" panose="020B0609020204030204" pitchFamily="49" charset="0"/>
+              </a:rPr>
+              <a:t>has.a     </a:t>
+            </a:r>
+            <a:r>
+              <a:rPr lang="en-GB" sz="1600" dirty="0"/>
+              <a:t>SD &lt; threshold</a:t>
+            </a:r>
+            <a:endParaRPr lang="fr-FR" sz="1600" dirty="0"/>
+          </a:p>
+        </p:txBody>
+      </p:sp>
+      <p:sp>
+        <p:nvSpPr>
+          <p:cNvPr id="7" name="TextBox 6">
+            <a:extLst>
+              <a:ext uri="{FF2B5EF4-FFF2-40B4-BE49-F238E27FC236}">
+                <a16:creationId xmlns:a16="http://schemas.microsoft.com/office/drawing/2014/main" id="{BE677D59-31BF-FD87-3F27-7E4C37926CED}"/>
+              </a:ext>
+            </a:extLst>
+          </p:cNvPr>
+          <p:cNvSpPr txBox="1"/>
+          <p:nvPr/>
+        </p:nvSpPr>
+        <p:spPr>
+          <a:xfrm>
+            <a:off x="5263756" y="1312560"/>
+            <a:ext cx="1806905" cy="369332"/>
+          </a:xfrm>
+          <a:prstGeom prst="rect">
+            <a:avLst/>
+          </a:prstGeom>
+          <a:noFill/>
+        </p:spPr>
+        <p:txBody>
+          <a:bodyPr wrap="none" rtlCol="0">
+            <a:spAutoFit/>
+          </a:bodyPr>
+          <a:lstStyle/>
+          <a:p>
+            <a:r>
+              <a:rPr lang="en-GB" dirty="0"/>
+              <a:t>3</a:t>
+            </a:r>
+            <a:r>
+              <a:rPr lang="en-GB" baseline="30000" dirty="0"/>
+              <a:t>rd</a:t>
+            </a:r>
+            <a:r>
+              <a:rPr lang="en-GB" dirty="0"/>
+              <a:t> part datasets</a:t>
+            </a:r>
+            <a:endParaRPr lang="fr-FR" dirty="0"/>
+          </a:p>
+        </p:txBody>
+      </p:sp>
+      <p:grpSp>
+        <p:nvGrpSpPr>
+          <p:cNvPr id="35" name="Group 34">
+            <a:extLst>
+              <a:ext uri="{FF2B5EF4-FFF2-40B4-BE49-F238E27FC236}">
+                <a16:creationId xmlns:a16="http://schemas.microsoft.com/office/drawing/2014/main" id="{DAFE44AF-1E02-862F-68B9-4FF2D4EEEF1F}"/>
+              </a:ext>
+            </a:extLst>
+          </p:cNvPr>
+          <p:cNvGrpSpPr/>
+          <p:nvPr/>
+        </p:nvGrpSpPr>
+        <p:grpSpPr>
+          <a:xfrm>
+            <a:off x="5338916" y="1717276"/>
+            <a:ext cx="1081122" cy="369332"/>
+            <a:chOff x="8062452" y="2162639"/>
+            <a:chExt cx="1081122" cy="369332"/>
+          </a:xfrm>
+        </p:grpSpPr>
+        <p:sp>
+          <p:nvSpPr>
+            <p:cNvPr id="29" name="Rectangle: Folded Corner 28">
+              <a:extLst>
+                <a:ext uri="{FF2B5EF4-FFF2-40B4-BE49-F238E27FC236}">
+                  <a16:creationId xmlns:a16="http://schemas.microsoft.com/office/drawing/2014/main" id="{D81CA86A-C445-ABEB-BFD3-87CFB92F7E86}"/>
+                </a:ext>
+              </a:extLst>
+            </p:cNvPr>
+            <p:cNvSpPr/>
+            <p:nvPr/>
+          </p:nvSpPr>
+          <p:spPr>
+            <a:xfrm>
+              <a:off x="8062452" y="2162639"/>
+              <a:ext cx="304798" cy="369332"/>
+            </a:xfrm>
+            <a:prstGeom prst="foldedCorner">
+              <a:avLst/>
+            </a:prstGeom>
+            <a:solidFill>
+              <a:schemeClr val="accent1">
+                <a:lumMod val="40000"/>
+                <a:lumOff val="60000"/>
+              </a:schemeClr>
+            </a:solidFill>
+          </p:spPr>
+          <p:style>
+            <a:lnRef idx="2">
+              <a:schemeClr val="accent1">
+                <a:shade val="15000"/>
+              </a:schemeClr>
+            </a:lnRef>
+            <a:fillRef idx="1">
+              <a:schemeClr val="accent1"/>
+            </a:fillRef>
+            <a:effectRef idx="0">
+              <a:schemeClr val="accent1"/>
+            </a:effectRef>
+            <a:fontRef idx="minor">
+              <a:schemeClr val="lt1"/>
+            </a:fontRef>
+          </p:style>
+          <p:txBody>
+            <a:bodyPr rtlCol="0" anchor="ctr"/>
+            <a:lstStyle/>
+            <a:p>
+              <a:pPr algn="ctr"/>
+              <a:endParaRPr lang="fr-FR"/>
+            </a:p>
+          </p:txBody>
+        </p:sp>
+        <p:sp>
+          <p:nvSpPr>
+            <p:cNvPr id="31" name="Rectangle: Folded Corner 30">
+              <a:extLst>
+                <a:ext uri="{FF2B5EF4-FFF2-40B4-BE49-F238E27FC236}">
+                  <a16:creationId xmlns:a16="http://schemas.microsoft.com/office/drawing/2014/main" id="{E848CE2A-B18A-D40C-09C6-C23989486246}"/>
+                </a:ext>
+              </a:extLst>
+            </p:cNvPr>
+            <p:cNvSpPr/>
+            <p:nvPr/>
+          </p:nvSpPr>
+          <p:spPr>
+            <a:xfrm>
+              <a:off x="8450614" y="2162639"/>
+              <a:ext cx="304798" cy="369332"/>
+            </a:xfrm>
+            <a:prstGeom prst="foldedCorner">
+              <a:avLst/>
+            </a:prstGeom>
+            <a:solidFill>
+              <a:schemeClr val="accent1">
+                <a:lumMod val="40000"/>
+                <a:lumOff val="60000"/>
+              </a:schemeClr>
+            </a:solidFill>
+          </p:spPr>
+          <p:style>
+            <a:lnRef idx="2">
+              <a:schemeClr val="accent1">
+                <a:shade val="15000"/>
+              </a:schemeClr>
+            </a:lnRef>
+            <a:fillRef idx="1">
+              <a:schemeClr val="accent1"/>
+            </a:fillRef>
+            <a:effectRef idx="0">
+              <a:schemeClr val="accent1"/>
+            </a:effectRef>
+            <a:fontRef idx="minor">
+              <a:schemeClr val="lt1"/>
+            </a:fontRef>
+          </p:style>
+          <p:txBody>
+            <a:bodyPr rtlCol="0" anchor="ctr"/>
+            <a:lstStyle/>
+            <a:p>
+              <a:pPr algn="ctr"/>
+              <a:endParaRPr lang="fr-FR"/>
+            </a:p>
+          </p:txBody>
+        </p:sp>
+        <p:sp>
+          <p:nvSpPr>
+            <p:cNvPr id="33" name="Rectangle: Folded Corner 32">
+              <a:extLst>
+                <a:ext uri="{FF2B5EF4-FFF2-40B4-BE49-F238E27FC236}">
+                  <a16:creationId xmlns:a16="http://schemas.microsoft.com/office/drawing/2014/main" id="{F8EA5AE4-9C4B-7565-D28A-35AFAE09A89A}"/>
+                </a:ext>
+              </a:extLst>
+            </p:cNvPr>
+            <p:cNvSpPr/>
+            <p:nvPr/>
+          </p:nvSpPr>
+          <p:spPr>
+            <a:xfrm>
+              <a:off x="8838776" y="2162639"/>
+              <a:ext cx="304798" cy="369332"/>
+            </a:xfrm>
+            <a:prstGeom prst="foldedCorner">
+              <a:avLst/>
+            </a:prstGeom>
+            <a:solidFill>
+              <a:schemeClr val="accent1">
+                <a:lumMod val="40000"/>
+                <a:lumOff val="60000"/>
+              </a:schemeClr>
+            </a:solidFill>
+          </p:spPr>
+          <p:style>
+            <a:lnRef idx="2">
+              <a:schemeClr val="accent1">
+                <a:shade val="15000"/>
+              </a:schemeClr>
+            </a:lnRef>
+            <a:fillRef idx="1">
+              <a:schemeClr val="accent1"/>
+            </a:fillRef>
+            <a:effectRef idx="0">
+              <a:schemeClr val="accent1"/>
+            </a:effectRef>
+            <a:fontRef idx="minor">
+              <a:schemeClr val="lt1"/>
+            </a:fontRef>
+          </p:style>
+          <p:txBody>
+            <a:bodyPr rtlCol="0" anchor="ctr"/>
+            <a:lstStyle/>
+            <a:p>
+              <a:pPr algn="ctr"/>
+              <a:endParaRPr lang="fr-FR"/>
+            </a:p>
+          </p:txBody>
+        </p:sp>
+      </p:grpSp>
+      <p:cxnSp>
+        <p:nvCxnSpPr>
+          <p:cNvPr id="40" name="Connector: Elbow 39">
+            <a:extLst>
+              <a:ext uri="{FF2B5EF4-FFF2-40B4-BE49-F238E27FC236}">
+                <a16:creationId xmlns:a16="http://schemas.microsoft.com/office/drawing/2014/main" id="{225A7965-E28E-C695-7579-DE9BFAD3F6DD}"/>
+              </a:ext>
+            </a:extLst>
+          </p:cNvPr>
+          <p:cNvCxnSpPr>
+            <a:cxnSpLocks/>
+            <a:stCxn id="29" idx="1"/>
+          </p:cNvCxnSpPr>
+          <p:nvPr/>
+        </p:nvCxnSpPr>
+        <p:spPr>
+          <a:xfrm rot="10800000" flipV="1">
+            <a:off x="4195248" y="1901942"/>
+            <a:ext cx="1143669" cy="476532"/>
           </a:xfrm>
           <a:prstGeom prst="bentConnector3">
             <a:avLst/>
@@ -5063,7 +6654,7 @@
     </p:spTree>
     <p:extLst>
       <p:ext uri="{BB962C8B-B14F-4D97-AF65-F5344CB8AC3E}">
-        <p14:creationId xmlns:p14="http://schemas.microsoft.com/office/powerpoint/2010/main" val="3878705017"/>
+        <p14:creationId xmlns:p14="http://schemas.microsoft.com/office/powerpoint/2010/main" val="1055550882"/>
       </p:ext>
     </p:extLst>
   </p:cSld>
@@ -5073,7 +6664,7 @@
 </p:sld>
 </file>
 
-<file path=ppt/slides/slide2.xml><?xml version="1.0" encoding="utf-8"?>
+<file path=ppt/slides/slide3.xml><?xml version="1.0" encoding="utf-8"?>
 <p:sld xmlns:a="http://schemas.openxmlformats.org/drawingml/2006/main" xmlns:r="http://schemas.openxmlformats.org/officeDocument/2006/relationships" xmlns:p="http://schemas.openxmlformats.org/presentationml/2006/main">
   <p:cSld>
     <p:spTree>
@@ -6845,7 +8436,7 @@
 </p:sld>
 </file>
 
-<file path=ppt/slides/slide3.xml><?xml version="1.0" encoding="utf-8"?>
+<file path=ppt/slides/slide4.xml><?xml version="1.0" encoding="utf-8"?>
 <p:sld xmlns:a="http://schemas.openxmlformats.org/drawingml/2006/main" xmlns:r="http://schemas.openxmlformats.org/officeDocument/2006/relationships" xmlns:p="http://schemas.openxmlformats.org/presentationml/2006/main">
   <p:cSld>
     <p:spTree>
